--- a/src/resources/DatenbankProjektPräsi.pptx
+++ b/src/resources/DatenbankProjektPräsi.pptx
@@ -7,19 +7,22 @@
   <p:sldIdLst>
     <p:sldId id="262" r:id="rId2"/>
     <p:sldId id="261" r:id="rId3"/>
-    <p:sldId id="263" r:id="rId4"/>
-    <p:sldId id="266" r:id="rId5"/>
-    <p:sldId id="265" r:id="rId6"/>
-    <p:sldId id="267" r:id="rId7"/>
-    <p:sldId id="268" r:id="rId8"/>
-    <p:sldId id="269" r:id="rId9"/>
-    <p:sldId id="270" r:id="rId10"/>
-    <p:sldId id="271" r:id="rId11"/>
-    <p:sldId id="272" r:id="rId12"/>
-    <p:sldId id="273" r:id="rId13"/>
-    <p:sldId id="274" r:id="rId14"/>
-    <p:sldId id="277" r:id="rId15"/>
-    <p:sldId id="278" r:id="rId16"/>
+    <p:sldId id="279" r:id="rId4"/>
+    <p:sldId id="280" r:id="rId5"/>
+    <p:sldId id="281" r:id="rId6"/>
+    <p:sldId id="263" r:id="rId7"/>
+    <p:sldId id="266" r:id="rId8"/>
+    <p:sldId id="265" r:id="rId9"/>
+    <p:sldId id="267" r:id="rId10"/>
+    <p:sldId id="268" r:id="rId11"/>
+    <p:sldId id="269" r:id="rId12"/>
+    <p:sldId id="270" r:id="rId13"/>
+    <p:sldId id="271" r:id="rId14"/>
+    <p:sldId id="272" r:id="rId15"/>
+    <p:sldId id="273" r:id="rId16"/>
+    <p:sldId id="274" r:id="rId17"/>
+    <p:sldId id="277" r:id="rId18"/>
+    <p:sldId id="278" r:id="rId19"/>
   </p:sldIdLst>
   <p:sldSz cx="12192000" cy="6858000"/>
   <p:notesSz cx="6858000" cy="9144000"/>
@@ -118,6 +121,11 @@
       </a:defRPr>
     </a:lvl9pPr>
   </p:defaultTextStyle>
+  <p:extLst>
+    <p:ext uri="{EFAFB233-063F-42B5-8137-9DF3F51BA10A}">
+      <p15:sldGuideLst xmlns:p15="http://schemas.microsoft.com/office/powerpoint/2012/main"/>
+    </p:ext>
+  </p:extLst>
 </p:presentation>
 </file>
 
@@ -276,7 +284,7 @@
           <a:p>
             <a:fld id="{D9FEFD80-BC49-4098-BEE2-7587C509F5E8}" type="datetimeFigureOut">
               <a:rPr lang="de-DE" smtClean="0"/>
-              <a:t>08.12.2024</a:t>
+              <a:t>09.12.2024</a:t>
             </a:fld>
             <a:endParaRPr lang="de-DE"/>
           </a:p>
@@ -474,7 +482,7 @@
           <a:p>
             <a:fld id="{D9FEFD80-BC49-4098-BEE2-7587C509F5E8}" type="datetimeFigureOut">
               <a:rPr lang="de-DE" smtClean="0"/>
-              <a:t>08.12.2024</a:t>
+              <a:t>09.12.2024</a:t>
             </a:fld>
             <a:endParaRPr lang="de-DE"/>
           </a:p>
@@ -682,7 +690,7 @@
           <a:p>
             <a:fld id="{D9FEFD80-BC49-4098-BEE2-7587C509F5E8}" type="datetimeFigureOut">
               <a:rPr lang="de-DE" smtClean="0"/>
-              <a:t>08.12.2024</a:t>
+              <a:t>09.12.2024</a:t>
             </a:fld>
             <a:endParaRPr lang="de-DE"/>
           </a:p>
@@ -880,7 +888,7 @@
           <a:p>
             <a:fld id="{D9FEFD80-BC49-4098-BEE2-7587C509F5E8}" type="datetimeFigureOut">
               <a:rPr lang="de-DE" smtClean="0"/>
-              <a:t>08.12.2024</a:t>
+              <a:t>09.12.2024</a:t>
             </a:fld>
             <a:endParaRPr lang="de-DE"/>
           </a:p>
@@ -1155,7 +1163,7 @@
           <a:p>
             <a:fld id="{D9FEFD80-BC49-4098-BEE2-7587C509F5E8}" type="datetimeFigureOut">
               <a:rPr lang="de-DE" smtClean="0"/>
-              <a:t>08.12.2024</a:t>
+              <a:t>09.12.2024</a:t>
             </a:fld>
             <a:endParaRPr lang="de-DE"/>
           </a:p>
@@ -1420,7 +1428,7 @@
           <a:p>
             <a:fld id="{D9FEFD80-BC49-4098-BEE2-7587C509F5E8}" type="datetimeFigureOut">
               <a:rPr lang="de-DE" smtClean="0"/>
-              <a:t>08.12.2024</a:t>
+              <a:t>09.12.2024</a:t>
             </a:fld>
             <a:endParaRPr lang="de-DE"/>
           </a:p>
@@ -1832,7 +1840,7 @@
           <a:p>
             <a:fld id="{D9FEFD80-BC49-4098-BEE2-7587C509F5E8}" type="datetimeFigureOut">
               <a:rPr lang="de-DE" smtClean="0"/>
-              <a:t>08.12.2024</a:t>
+              <a:t>09.12.2024</a:t>
             </a:fld>
             <a:endParaRPr lang="de-DE"/>
           </a:p>
@@ -1973,7 +1981,7 @@
           <a:p>
             <a:fld id="{D9FEFD80-BC49-4098-BEE2-7587C509F5E8}" type="datetimeFigureOut">
               <a:rPr lang="de-DE" smtClean="0"/>
-              <a:t>08.12.2024</a:t>
+              <a:t>09.12.2024</a:t>
             </a:fld>
             <a:endParaRPr lang="de-DE"/>
           </a:p>
@@ -2086,7 +2094,7 @@
           <a:p>
             <a:fld id="{D9FEFD80-BC49-4098-BEE2-7587C509F5E8}" type="datetimeFigureOut">
               <a:rPr lang="de-DE" smtClean="0"/>
-              <a:t>08.12.2024</a:t>
+              <a:t>09.12.2024</a:t>
             </a:fld>
             <a:endParaRPr lang="de-DE"/>
           </a:p>
@@ -2397,7 +2405,7 @@
           <a:p>
             <a:fld id="{D9FEFD80-BC49-4098-BEE2-7587C509F5E8}" type="datetimeFigureOut">
               <a:rPr lang="de-DE" smtClean="0"/>
-              <a:t>08.12.2024</a:t>
+              <a:t>09.12.2024</a:t>
             </a:fld>
             <a:endParaRPr lang="de-DE"/>
           </a:p>
@@ -2685,7 +2693,7 @@
           <a:p>
             <a:fld id="{D9FEFD80-BC49-4098-BEE2-7587C509F5E8}" type="datetimeFigureOut">
               <a:rPr lang="de-DE" smtClean="0"/>
-              <a:t>08.12.2024</a:t>
+              <a:t>09.12.2024</a:t>
             </a:fld>
             <a:endParaRPr lang="de-DE"/>
           </a:p>
@@ -2926,7 +2934,7 @@
           <a:p>
             <a:fld id="{D9FEFD80-BC49-4098-BEE2-7587C509F5E8}" type="datetimeFigureOut">
               <a:rPr lang="de-DE" smtClean="0"/>
-              <a:t>08.12.2024</a:t>
+              <a:t>09.12.2024</a:t>
             </a:fld>
             <a:endParaRPr lang="de-DE"/>
           </a:p>
@@ -3403,7 +3411,39 @@
           <a:p>
             <a:r>
               <a:rPr lang="de-DE" sz="2800" dirty="0"/>
-              <a:t>Es werden Mitarbeiter, Großkunden, Waren und Regale beachtet</a:t>
+              <a:t>Es werden </a:t>
+            </a:r>
+            <a:r>
+              <a:rPr lang="de-DE" sz="2800" u="sng" dirty="0"/>
+              <a:t>Mitarbeiter</a:t>
+            </a:r>
+            <a:r>
+              <a:rPr lang="de-DE" sz="2800" dirty="0"/>
+              <a:t>, </a:t>
+            </a:r>
+            <a:r>
+              <a:rPr lang="de-DE" sz="2800" u="sng" dirty="0"/>
+              <a:t>Großkunden</a:t>
+            </a:r>
+            <a:r>
+              <a:rPr lang="de-DE" sz="2800" dirty="0"/>
+              <a:t>, </a:t>
+            </a:r>
+            <a:r>
+              <a:rPr lang="de-DE" sz="2800" u="sng" dirty="0"/>
+              <a:t>Waren</a:t>
+            </a:r>
+            <a:r>
+              <a:rPr lang="de-DE" sz="2800" dirty="0"/>
+              <a:t> und </a:t>
+            </a:r>
+            <a:r>
+              <a:rPr lang="de-DE" sz="2800" u="sng" dirty="0"/>
+              <a:t>Regale</a:t>
+            </a:r>
+            <a:r>
+              <a:rPr lang="de-DE" sz="2800" dirty="0"/>
+              <a:t> beachtet</a:t>
             </a:r>
           </a:p>
           <a:p>
@@ -3412,7 +3452,11 @@
           <a:p>
             <a:r>
               <a:rPr lang="de-DE" sz="2800" dirty="0"/>
-              <a:t>Großkunden können Waren bestellen</a:t>
+              <a:t>Großkunden können Waren </a:t>
+            </a:r>
+            <a:r>
+              <a:rPr lang="de-DE" sz="2800" u="sng" dirty="0"/>
+              <a:t>bestellen</a:t>
             </a:r>
           </a:p>
           <a:p>
@@ -3421,8 +3465,17 @@
           <a:p>
             <a:r>
               <a:rPr lang="de-DE" sz="2800" dirty="0"/>
-              <a:t>In Regale können Waren eingelagert werden </a:t>
-            </a:r>
+              <a:t>Regale können Waren</a:t>
+            </a:r>
+            <a:r>
+              <a:rPr lang="de-DE" dirty="0"/>
+              <a:t> </a:t>
+            </a:r>
+            <a:r>
+              <a:rPr lang="de-DE" u="sng" dirty="0"/>
+              <a:t>enthalten</a:t>
+            </a:r>
+            <a:endParaRPr lang="de-DE" sz="2800" u="sng" dirty="0"/>
           </a:p>
         </p:txBody>
       </p:sp>
@@ -3440,6 +3493,531 @@
 </file>
 
 <file path=ppt/slides/slide10.xml><?xml version="1.0" encoding="utf-8"?>
+<p:sld xmlns:a="http://schemas.openxmlformats.org/drawingml/2006/main" xmlns:r="http://schemas.openxmlformats.org/officeDocument/2006/relationships" xmlns:p="http://schemas.openxmlformats.org/presentationml/2006/main">
+  <p:cSld>
+    <p:spTree>
+      <p:nvGrpSpPr>
+        <p:cNvPr id="1" name="">
+          <a:extLst>
+            <a:ext uri="{FF2B5EF4-FFF2-40B4-BE49-F238E27FC236}">
+              <a16:creationId xmlns:a16="http://schemas.microsoft.com/office/drawing/2014/main" id="{122BF57A-67F4-278A-20BE-F7FDAF140D58}"/>
+            </a:ext>
+          </a:extLst>
+        </p:cNvPr>
+        <p:cNvGrpSpPr/>
+        <p:nvPr/>
+      </p:nvGrpSpPr>
+      <p:grpSpPr>
+        <a:xfrm>
+          <a:off x="0" y="0"/>
+          <a:ext cx="0" cy="0"/>
+          <a:chOff x="0" y="0"/>
+          <a:chExt cx="0" cy="0"/>
+        </a:xfrm>
+      </p:grpSpPr>
+      <p:sp>
+        <p:nvSpPr>
+          <p:cNvPr id="2" name="Titel 1">
+            <a:extLst>
+              <a:ext uri="{FF2B5EF4-FFF2-40B4-BE49-F238E27FC236}">
+                <a16:creationId xmlns:a16="http://schemas.microsoft.com/office/drawing/2014/main" id="{E3A9DBF4-2FDA-CE60-10BA-A7F0E7ABC5B0}"/>
+              </a:ext>
+            </a:extLst>
+          </p:cNvPr>
+          <p:cNvSpPr>
+            <a:spLocks noGrp="1"/>
+          </p:cNvSpPr>
+          <p:nvPr>
+            <p:ph type="title"/>
+          </p:nvPr>
+        </p:nvSpPr>
+        <p:spPr/>
+        <p:txBody>
+          <a:bodyPr/>
+          <a:lstStyle/>
+          <a:p>
+            <a:r>
+              <a:rPr lang="de-DE" dirty="0"/>
+              <a:t>Regal in SQL</a:t>
+            </a:r>
+          </a:p>
+        </p:txBody>
+      </p:sp>
+      <p:sp>
+        <p:nvSpPr>
+          <p:cNvPr id="3" name="Inhaltsplatzhalter 2">
+            <a:extLst>
+              <a:ext uri="{FF2B5EF4-FFF2-40B4-BE49-F238E27FC236}">
+                <a16:creationId xmlns:a16="http://schemas.microsoft.com/office/drawing/2014/main" id="{0B2D9E04-3EF5-F919-9E99-BFC8A3B5D015}"/>
+              </a:ext>
+            </a:extLst>
+          </p:cNvPr>
+          <p:cNvSpPr>
+            <a:spLocks noGrp="1"/>
+          </p:cNvSpPr>
+          <p:nvPr>
+            <p:ph idx="1"/>
+          </p:nvPr>
+        </p:nvSpPr>
+        <p:spPr/>
+        <p:txBody>
+          <a:bodyPr>
+            <a:normAutofit/>
+          </a:bodyPr>
+          <a:lstStyle/>
+          <a:p>
+            <a:pPr marL="0" indent="0">
+              <a:buNone/>
+            </a:pPr>
+            <a:r>
+              <a:rPr lang="de-DE" sz="1300" dirty="0"/>
+              <a:t>CREATE TABLE "Regal" (</a:t>
+            </a:r>
+          </a:p>
+          <a:p>
+            <a:pPr marL="0" indent="0">
+              <a:buNone/>
+            </a:pPr>
+            <a:r>
+              <a:rPr lang="de-DE" sz="1300" dirty="0"/>
+              <a:t>	"Regal-ID"		INTEGER,</a:t>
+            </a:r>
+          </a:p>
+          <a:p>
+            <a:pPr marL="0" indent="0">
+              <a:buNone/>
+            </a:pPr>
+            <a:r>
+              <a:rPr lang="de-DE" sz="1300" dirty="0"/>
+              <a:t>	"Reihe"		INTEGER NOT NULL,</a:t>
+            </a:r>
+          </a:p>
+          <a:p>
+            <a:pPr marL="0" indent="0">
+              <a:buNone/>
+            </a:pPr>
+            <a:r>
+              <a:rPr lang="de-DE" sz="1300" dirty="0"/>
+              <a:t>	"Spalte"		INTEGER NOT NULL,</a:t>
+            </a:r>
+          </a:p>
+          <a:p>
+            <a:pPr marL="0" indent="0">
+              <a:buNone/>
+            </a:pPr>
+            <a:r>
+              <a:rPr lang="de-DE" sz="1300" dirty="0"/>
+              <a:t>	"Kapazität"		INTEGER NOT NULL CHECK("Kapazität" &gt; 0),</a:t>
+            </a:r>
+          </a:p>
+          <a:p>
+            <a:pPr marL="0" indent="0">
+              <a:buNone/>
+            </a:pPr>
+            <a:r>
+              <a:rPr lang="de-DE" sz="1300" dirty="0"/>
+              <a:t>	"Temperatur"	TEXT NOT NULL DEFAULT 'Normal' CHECK("Temperatur" IN ('Normal', 'Gekühlt', 'Gefroren')),</a:t>
+            </a:r>
+          </a:p>
+          <a:p>
+            <a:pPr marL="0" indent="0">
+              <a:buNone/>
+            </a:pPr>
+            <a:r>
+              <a:rPr lang="de-DE" sz="1300" dirty="0"/>
+              <a:t>	PRIMARY KEY("Regal-ID" AUTOINCREMENT)</a:t>
+            </a:r>
+          </a:p>
+          <a:p>
+            <a:pPr marL="0" indent="0">
+              <a:buNone/>
+            </a:pPr>
+            <a:r>
+              <a:rPr lang="de-DE" sz="1300" dirty="0"/>
+              <a:t>);</a:t>
+            </a:r>
+          </a:p>
+        </p:txBody>
+      </p:sp>
+    </p:spTree>
+    <p:extLst>
+      <p:ext uri="{BB962C8B-B14F-4D97-AF65-F5344CB8AC3E}">
+        <p14:creationId xmlns:p14="http://schemas.microsoft.com/office/powerpoint/2010/main" val="973588200"/>
+      </p:ext>
+    </p:extLst>
+  </p:cSld>
+  <p:clrMapOvr>
+    <a:masterClrMapping/>
+  </p:clrMapOvr>
+</p:sld>
+</file>
+
+<file path=ppt/slides/slide11.xml><?xml version="1.0" encoding="utf-8"?>
+<p:sld xmlns:a="http://schemas.openxmlformats.org/drawingml/2006/main" xmlns:r="http://schemas.openxmlformats.org/officeDocument/2006/relationships" xmlns:p="http://schemas.openxmlformats.org/presentationml/2006/main">
+  <p:cSld>
+    <p:spTree>
+      <p:nvGrpSpPr>
+        <p:cNvPr id="1" name="">
+          <a:extLst>
+            <a:ext uri="{FF2B5EF4-FFF2-40B4-BE49-F238E27FC236}">
+              <a16:creationId xmlns:a16="http://schemas.microsoft.com/office/drawing/2014/main" id="{22D30C79-39E9-4118-7A24-4AB84438B69F}"/>
+            </a:ext>
+          </a:extLst>
+        </p:cNvPr>
+        <p:cNvGrpSpPr/>
+        <p:nvPr/>
+      </p:nvGrpSpPr>
+      <p:grpSpPr>
+        <a:xfrm>
+          <a:off x="0" y="0"/>
+          <a:ext cx="0" cy="0"/>
+          <a:chOff x="0" y="0"/>
+          <a:chExt cx="0" cy="0"/>
+        </a:xfrm>
+      </p:grpSpPr>
+      <p:sp>
+        <p:nvSpPr>
+          <p:cNvPr id="2" name="Titel 1">
+            <a:extLst>
+              <a:ext uri="{FF2B5EF4-FFF2-40B4-BE49-F238E27FC236}">
+                <a16:creationId xmlns:a16="http://schemas.microsoft.com/office/drawing/2014/main" id="{2147D15E-988E-0561-FCA0-A5CCB7BB1105}"/>
+              </a:ext>
+            </a:extLst>
+          </p:cNvPr>
+          <p:cNvSpPr>
+            <a:spLocks noGrp="1"/>
+          </p:cNvSpPr>
+          <p:nvPr>
+            <p:ph type="title"/>
+          </p:nvPr>
+        </p:nvSpPr>
+        <p:spPr/>
+        <p:txBody>
+          <a:bodyPr/>
+          <a:lstStyle/>
+          <a:p>
+            <a:r>
+              <a:rPr lang="de-DE" dirty="0"/>
+              <a:t>Ware in SQL</a:t>
+            </a:r>
+          </a:p>
+        </p:txBody>
+      </p:sp>
+      <p:sp>
+        <p:nvSpPr>
+          <p:cNvPr id="3" name="Inhaltsplatzhalter 2">
+            <a:extLst>
+              <a:ext uri="{FF2B5EF4-FFF2-40B4-BE49-F238E27FC236}">
+                <a16:creationId xmlns:a16="http://schemas.microsoft.com/office/drawing/2014/main" id="{7E1AE158-6907-E249-C71A-38CB6A10C8FC}"/>
+              </a:ext>
+            </a:extLst>
+          </p:cNvPr>
+          <p:cNvSpPr>
+            <a:spLocks noGrp="1"/>
+          </p:cNvSpPr>
+          <p:nvPr>
+            <p:ph idx="1"/>
+          </p:nvPr>
+        </p:nvSpPr>
+        <p:spPr/>
+        <p:txBody>
+          <a:bodyPr>
+            <a:normAutofit/>
+          </a:bodyPr>
+          <a:lstStyle/>
+          <a:p>
+            <a:pPr marL="0" indent="0">
+              <a:buNone/>
+            </a:pPr>
+            <a:r>
+              <a:rPr lang="de-DE" sz="1300" dirty="0"/>
+              <a:t>CREATE TABLE "Ware" (</a:t>
+            </a:r>
+          </a:p>
+          <a:p>
+            <a:pPr marL="0" indent="0">
+              <a:buNone/>
+            </a:pPr>
+            <a:r>
+              <a:rPr lang="de-DE" sz="1300" dirty="0"/>
+              <a:t>	"Waren-ID"		INTEGER,</a:t>
+            </a:r>
+          </a:p>
+          <a:p>
+            <a:pPr marL="0" indent="0">
+              <a:buNone/>
+            </a:pPr>
+            <a:r>
+              <a:rPr lang="de-DE" sz="1300" dirty="0"/>
+              <a:t>	"Name"		TEXT NOT NULL,</a:t>
+            </a:r>
+          </a:p>
+          <a:p>
+            <a:pPr marL="0" indent="0">
+              <a:buNone/>
+            </a:pPr>
+            <a:r>
+              <a:rPr lang="de-DE" sz="1300" dirty="0"/>
+              <a:t>	"Preis"		NUMERIC NOT NULL CHECK("Preis" &gt; 0),</a:t>
+            </a:r>
+          </a:p>
+          <a:p>
+            <a:pPr marL="0" indent="0">
+              <a:buNone/>
+            </a:pPr>
+            <a:r>
+              <a:rPr lang="de-DE" sz="1300" dirty="0"/>
+              <a:t>	"Bestand"		INTEGER NOT NULL DEFAULT 0 CHECK("Bestand" &gt;= 0),</a:t>
+            </a:r>
+          </a:p>
+          <a:p>
+            <a:pPr marL="0" indent="0">
+              <a:buNone/>
+            </a:pPr>
+            <a:r>
+              <a:rPr lang="de-DE" sz="1300" dirty="0"/>
+              <a:t>	"Temperatur"	TEXT NOT NULL DEFAULT 'Normal' CHECK("Temperatur" IN ('Normal', 'Gekühlt', 'Gefroren')),</a:t>
+            </a:r>
+          </a:p>
+          <a:p>
+            <a:pPr marL="0" indent="0">
+              <a:buNone/>
+            </a:pPr>
+            <a:r>
+              <a:rPr lang="de-DE" sz="1300" dirty="0"/>
+              <a:t>	"Platzbedarf"	INTEGER NOT NULL CHECK("Platzbedarf" &gt; 0),</a:t>
+            </a:r>
+          </a:p>
+          <a:p>
+            <a:pPr marL="0" indent="0">
+              <a:buNone/>
+            </a:pPr>
+            <a:r>
+              <a:rPr lang="de-DE" sz="1300" dirty="0"/>
+              <a:t>	PRIMARY KEY("Waren-ID" AUTOINCREMENT)</a:t>
+            </a:r>
+          </a:p>
+          <a:p>
+            <a:pPr marL="0" indent="0">
+              <a:buNone/>
+            </a:pPr>
+            <a:r>
+              <a:rPr lang="de-DE" sz="1300" dirty="0"/>
+              <a:t>);</a:t>
+            </a:r>
+          </a:p>
+        </p:txBody>
+      </p:sp>
+    </p:spTree>
+    <p:extLst>
+      <p:ext uri="{BB962C8B-B14F-4D97-AF65-F5344CB8AC3E}">
+        <p14:creationId xmlns:p14="http://schemas.microsoft.com/office/powerpoint/2010/main" val="3576683082"/>
+      </p:ext>
+    </p:extLst>
+  </p:cSld>
+  <p:clrMapOvr>
+    <a:masterClrMapping/>
+  </p:clrMapOvr>
+</p:sld>
+</file>
+
+<file path=ppt/slides/slide12.xml><?xml version="1.0" encoding="utf-8"?>
+<p:sld xmlns:a="http://schemas.openxmlformats.org/drawingml/2006/main" xmlns:r="http://schemas.openxmlformats.org/officeDocument/2006/relationships" xmlns:p="http://schemas.openxmlformats.org/presentationml/2006/main">
+  <p:cSld>
+    <p:spTree>
+      <p:nvGrpSpPr>
+        <p:cNvPr id="1" name="">
+          <a:extLst>
+            <a:ext uri="{FF2B5EF4-FFF2-40B4-BE49-F238E27FC236}">
+              <a16:creationId xmlns:a16="http://schemas.microsoft.com/office/drawing/2014/main" id="{41A4FEC4-BD32-680D-7A5D-BE8FF03A20A8}"/>
+            </a:ext>
+          </a:extLst>
+        </p:cNvPr>
+        <p:cNvGrpSpPr/>
+        <p:nvPr/>
+      </p:nvGrpSpPr>
+      <p:grpSpPr>
+        <a:xfrm>
+          <a:off x="0" y="0"/>
+          <a:ext cx="0" cy="0"/>
+          <a:chOff x="0" y="0"/>
+          <a:chExt cx="0" cy="0"/>
+        </a:xfrm>
+      </p:grpSpPr>
+      <p:sp>
+        <p:nvSpPr>
+          <p:cNvPr id="2" name="Titel 1">
+            <a:extLst>
+              <a:ext uri="{FF2B5EF4-FFF2-40B4-BE49-F238E27FC236}">
+                <a16:creationId xmlns:a16="http://schemas.microsoft.com/office/drawing/2014/main" id="{1CAE1E18-0AEC-1876-578D-11760DFAD8EA}"/>
+              </a:ext>
+            </a:extLst>
+          </p:cNvPr>
+          <p:cNvSpPr>
+            <a:spLocks noGrp="1"/>
+          </p:cNvSpPr>
+          <p:nvPr>
+            <p:ph type="title"/>
+          </p:nvPr>
+        </p:nvSpPr>
+        <p:spPr/>
+        <p:txBody>
+          <a:bodyPr/>
+          <a:lstStyle/>
+          <a:p>
+            <a:r>
+              <a:rPr lang="de-DE" dirty="0"/>
+              <a:t>bestellt in SQL</a:t>
+            </a:r>
+          </a:p>
+        </p:txBody>
+      </p:sp>
+      <p:sp>
+        <p:nvSpPr>
+          <p:cNvPr id="3" name="Inhaltsplatzhalter 2">
+            <a:extLst>
+              <a:ext uri="{FF2B5EF4-FFF2-40B4-BE49-F238E27FC236}">
+                <a16:creationId xmlns:a16="http://schemas.microsoft.com/office/drawing/2014/main" id="{496066D2-14F5-FCAC-A3A7-278A2B42AEB2}"/>
+              </a:ext>
+            </a:extLst>
+          </p:cNvPr>
+          <p:cNvSpPr>
+            <a:spLocks noGrp="1"/>
+          </p:cNvSpPr>
+          <p:nvPr>
+            <p:ph idx="1"/>
+          </p:nvPr>
+        </p:nvSpPr>
+        <p:spPr/>
+        <p:txBody>
+          <a:bodyPr>
+            <a:normAutofit/>
+          </a:bodyPr>
+          <a:lstStyle/>
+          <a:p>
+            <a:pPr marL="0" indent="0">
+              <a:buNone/>
+            </a:pPr>
+            <a:r>
+              <a:rPr lang="de-DE" sz="1300" dirty="0"/>
+              <a:t>CREATE TABLE "bestellt" (</a:t>
+            </a:r>
+          </a:p>
+          <a:p>
+            <a:pPr marL="0" indent="0">
+              <a:buNone/>
+            </a:pPr>
+            <a:r>
+              <a:rPr lang="de-DE" sz="1300" dirty="0"/>
+              <a:t>	"Bestell-ID"		INTEGER,</a:t>
+            </a:r>
+          </a:p>
+          <a:p>
+            <a:pPr marL="0" indent="0">
+              <a:buNone/>
+            </a:pPr>
+            <a:r>
+              <a:rPr lang="de-DE" sz="1300" dirty="0"/>
+              <a:t>	"Kunden-ID"		INTEGER NOT NULL,</a:t>
+            </a:r>
+          </a:p>
+          <a:p>
+            <a:pPr marL="0" indent="0">
+              <a:buNone/>
+            </a:pPr>
+            <a:r>
+              <a:rPr lang="de-DE" sz="1300" dirty="0"/>
+              <a:t>	"Waren-ID"		INTEGER NOT NULL,</a:t>
+            </a:r>
+          </a:p>
+          <a:p>
+            <a:pPr marL="0" indent="0">
+              <a:buNone/>
+            </a:pPr>
+            <a:r>
+              <a:rPr lang="de-DE" sz="1300" dirty="0"/>
+              <a:t>	"Menge"		INTEGER NOT NULL CHECK("Menge" &gt; 0),</a:t>
+            </a:r>
+          </a:p>
+          <a:p>
+            <a:pPr marL="0" indent="0">
+              <a:buNone/>
+            </a:pPr>
+            <a:r>
+              <a:rPr lang="de-DE" sz="1300" dirty="0"/>
+              <a:t>	"Bestelldatum"	TEXT NOT NULL,</a:t>
+            </a:r>
+          </a:p>
+          <a:p>
+            <a:pPr marL="0" indent="0">
+              <a:buNone/>
+            </a:pPr>
+            <a:r>
+              <a:rPr lang="de-DE" sz="1300" dirty="0"/>
+              <a:t>	"Abholdatum"	TEXT NOT NULL,</a:t>
+            </a:r>
+          </a:p>
+          <a:p>
+            <a:pPr marL="0" indent="0">
+              <a:buNone/>
+            </a:pPr>
+            <a:r>
+              <a:rPr lang="de-DE" sz="1300" dirty="0"/>
+              <a:t>	"Gesamtpreis"	NUMERIC NOT NULL DEFAULT 0,</a:t>
+            </a:r>
+          </a:p>
+          <a:p>
+            <a:pPr marL="0" indent="0">
+              <a:buNone/>
+            </a:pPr>
+            <a:r>
+              <a:rPr lang="de-DE" sz="1300" dirty="0"/>
+              <a:t>	FOREIGN KEY("Waren-ID") REFERENCES "Ware"("Waren-ID") ON DELETE CASCADE,</a:t>
+            </a:r>
+          </a:p>
+          <a:p>
+            <a:pPr marL="0" indent="0">
+              <a:buNone/>
+            </a:pPr>
+            <a:r>
+              <a:rPr lang="de-DE" sz="1300" dirty="0"/>
+              <a:t>	FOREIGN KEY("Kunden-ID") REFERENCES "Großkunde"("Kunden-ID") ON DELETE CASCADE,</a:t>
+            </a:r>
+          </a:p>
+          <a:p>
+            <a:pPr marL="0" indent="0">
+              <a:buNone/>
+            </a:pPr>
+            <a:r>
+              <a:rPr lang="de-DE" sz="1300" dirty="0"/>
+              <a:t>	PRIMARY KEY("Bestell-ID" AUTOINCREMENT)</a:t>
+            </a:r>
+          </a:p>
+          <a:p>
+            <a:pPr marL="0" indent="0">
+              <a:buNone/>
+            </a:pPr>
+            <a:r>
+              <a:rPr lang="de-DE" sz="1300" dirty="0"/>
+              <a:t>);</a:t>
+            </a:r>
+          </a:p>
+        </p:txBody>
+      </p:sp>
+    </p:spTree>
+    <p:extLst>
+      <p:ext uri="{BB962C8B-B14F-4D97-AF65-F5344CB8AC3E}">
+        <p14:creationId xmlns:p14="http://schemas.microsoft.com/office/powerpoint/2010/main" val="2216167323"/>
+      </p:ext>
+    </p:extLst>
+  </p:cSld>
+  <p:clrMapOvr>
+    <a:masterClrMapping/>
+  </p:clrMapOvr>
+</p:sld>
+</file>
+
+<file path=ppt/slides/slide13.xml><?xml version="1.0" encoding="utf-8"?>
 <p:sld xmlns:a="http://schemas.openxmlformats.org/drawingml/2006/main" xmlns:r="http://schemas.openxmlformats.org/officeDocument/2006/relationships" xmlns:p="http://schemas.openxmlformats.org/presentationml/2006/main">
   <p:cSld>
     <p:spTree>
@@ -3527,7 +4105,7 @@
             </a:pPr>
             <a:r>
               <a:rPr lang="de-DE" sz="1300" dirty="0"/>
-              <a:t>	"Enthält-ID"	INTEGER,</a:t>
+              <a:t>	"Enthält-ID"		INTEGER,</a:t>
             </a:r>
           </a:p>
           <a:p>
@@ -3536,7 +4114,7 @@
             </a:pPr>
             <a:r>
               <a:rPr lang="de-DE" sz="1300" dirty="0"/>
-              <a:t>	"Regal-ID"	INTEGER,</a:t>
+              <a:t>	"Regal-ID"		INTEGER,</a:t>
             </a:r>
           </a:p>
           <a:p>
@@ -3545,7 +4123,7 @@
             </a:pPr>
             <a:r>
               <a:rPr lang="de-DE" sz="1300" dirty="0"/>
-              <a:t>	"Waren-ID"	INTEGER,</a:t>
+              <a:t>	"Waren-ID"		INTEGER,</a:t>
             </a:r>
           </a:p>
           <a:p>
@@ -3554,7 +4132,7 @@
             </a:pPr>
             <a:r>
               <a:rPr lang="de-DE" sz="1300" dirty="0"/>
-              <a:t>	"Menge"	INTEGER NOT NULL CHECK("Menge" &gt; 0),</a:t>
+              <a:t>	"Menge"		INTEGER NOT NULL CHECK("Menge" &gt; 0),</a:t>
             </a:r>
           </a:p>
           <a:p>
@@ -3608,7 +4186,7 @@
 </p:sld>
 </file>
 
-<file path=ppt/slides/slide11.xml><?xml version="1.0" encoding="utf-8"?>
+<file path=ppt/slides/slide14.xml><?xml version="1.0" encoding="utf-8"?>
 <p:sld xmlns:a="http://schemas.openxmlformats.org/drawingml/2006/main" xmlns:r="http://schemas.openxmlformats.org/officeDocument/2006/relationships" xmlns:p="http://schemas.openxmlformats.org/presentationml/2006/main">
   <p:cSld>
     <p:spTree>
@@ -3900,7 +4478,7 @@
 </p:sld>
 </file>
 
-<file path=ppt/slides/slide12.xml><?xml version="1.0" encoding="utf-8"?>
+<file path=ppt/slides/slide15.xml><?xml version="1.0" encoding="utf-8"?>
 <p:sld xmlns:a="http://schemas.openxmlformats.org/drawingml/2006/main" xmlns:r="http://schemas.openxmlformats.org/officeDocument/2006/relationships" xmlns:p="http://schemas.openxmlformats.org/presentationml/2006/main">
   <p:cSld>
     <p:spTree>
@@ -4114,7 +4692,7 @@
 </p:sld>
 </file>
 
-<file path=ppt/slides/slide13.xml><?xml version="1.0" encoding="utf-8"?>
+<file path=ppt/slides/slide16.xml><?xml version="1.0" encoding="utf-8"?>
 <p:sld xmlns:a="http://schemas.openxmlformats.org/drawingml/2006/main" xmlns:r="http://schemas.openxmlformats.org/officeDocument/2006/relationships" xmlns:p="http://schemas.openxmlformats.org/presentationml/2006/main">
   <p:cSld>
     <p:spTree>
@@ -4185,7 +4763,7 @@
             </a:pPr>
             <a:r>
               <a:rPr lang="de-DE" dirty="0"/>
-              <a:t>Beispiel: Welche Mitarbeiter-ID hat Dieter Schulz?</a:t>
+              <a:t>Beispiel: Welche Mitarbeiter-ID hat Lukas Schmidt?</a:t>
             </a:r>
           </a:p>
           <a:p>
@@ -4218,7 +4796,7 @@
             </a:pPr>
             <a:r>
               <a:rPr lang="de-DE" sz="1800" dirty="0"/>
-              <a:t>                WHERE Vorname = Dieter AND Nachname = Schulz;</a:t>
+              <a:t>                WHERE Vorname = Lukas AND Nachname = Schmidt;</a:t>
             </a:r>
           </a:p>
         </p:txBody>
@@ -4236,7 +4814,7 @@
 </p:sld>
 </file>
 
-<file path=ppt/slides/slide14.xml><?xml version="1.0" encoding="utf-8"?>
+<file path=ppt/slides/slide17.xml><?xml version="1.0" encoding="utf-8"?>
 <p:sld xmlns:a="http://schemas.openxmlformats.org/drawingml/2006/main" xmlns:r="http://schemas.openxmlformats.org/officeDocument/2006/relationships" xmlns:p="http://schemas.openxmlformats.org/presentationml/2006/main">
   <p:cSld>
     <p:spTree>
@@ -4451,7 +5029,7 @@
 </p:sld>
 </file>
 
-<file path=ppt/slides/slide15.xml><?xml version="1.0" encoding="utf-8"?>
+<file path=ppt/slides/slide18.xml><?xml version="1.0" encoding="utf-8"?>
 <p:sld xmlns:a="http://schemas.openxmlformats.org/drawingml/2006/main" xmlns:r="http://schemas.openxmlformats.org/officeDocument/2006/relationships" xmlns:p="http://schemas.openxmlformats.org/presentationml/2006/main">
   <p:cSld>
     <p:spTree>
@@ -4542,113 +5120,113 @@
               <a:buNone/>
             </a:pPr>
             <a:r>
-              <a:rPr lang="de-DE" sz="1600" dirty="0"/>
+              <a:rPr lang="de-DE" sz="1800" dirty="0"/>
               <a:t>SELECT </a:t>
             </a:r>
             <a:r>
-              <a:rPr lang="de-DE" sz="1600" dirty="0" err="1"/>
+              <a:rPr lang="de-DE" sz="1800" dirty="0" err="1"/>
               <a:t>this</a:t>
             </a:r>
             <a:r>
-              <a:rPr lang="de-DE" sz="1600" dirty="0"/>
+              <a:rPr lang="de-DE" sz="1800" dirty="0"/>
               <a:t>."Mitarbeiter-ID", </a:t>
             </a:r>
             <a:r>
-              <a:rPr lang="de-DE" sz="1600" dirty="0" err="1"/>
+              <a:rPr lang="de-DE" sz="1800" dirty="0" err="1"/>
               <a:t>this.Vorname</a:t>
             </a:r>
             <a:r>
-              <a:rPr lang="de-DE" sz="1600" dirty="0"/>
+              <a:rPr lang="de-DE" sz="1800" dirty="0"/>
               <a:t>, </a:t>
             </a:r>
             <a:r>
-              <a:rPr lang="de-DE" sz="1600" dirty="0" err="1"/>
+              <a:rPr lang="de-DE" sz="1800" dirty="0" err="1"/>
               <a:t>this.Nachname</a:t>
             </a:r>
             <a:r>
-              <a:rPr lang="de-DE" sz="1600" dirty="0"/>
+              <a:rPr lang="de-DE" sz="1800" dirty="0"/>
               <a:t>, </a:t>
             </a:r>
             <a:r>
-              <a:rPr lang="de-DE" sz="1600" dirty="0" err="1"/>
+              <a:rPr lang="de-DE" sz="1800" dirty="0" err="1"/>
               <a:t>other</a:t>
             </a:r>
             <a:r>
-              <a:rPr lang="de-DE" sz="1600" dirty="0"/>
+              <a:rPr lang="de-DE" sz="1800" dirty="0"/>
               <a:t>."Mitarbeiter-ID", </a:t>
             </a:r>
             <a:r>
-              <a:rPr lang="de-DE" sz="1600" dirty="0" err="1"/>
+              <a:rPr lang="de-DE" sz="1800" dirty="0" err="1"/>
               <a:t>other.Vorname</a:t>
             </a:r>
             <a:r>
-              <a:rPr lang="de-DE" sz="1600" dirty="0"/>
+              <a:rPr lang="de-DE" sz="1800" dirty="0"/>
               <a:t>, </a:t>
             </a:r>
             <a:r>
-              <a:rPr lang="de-DE" sz="1600" dirty="0" err="1"/>
+              <a:rPr lang="de-DE" sz="1800" dirty="0" err="1"/>
               <a:t>other.Nachname</a:t>
             </a:r>
-            <a:endParaRPr lang="de-DE" sz="1600" dirty="0"/>
-          </a:p>
-          <a:p>
-            <a:pPr marL="0" indent="0">
-              <a:buNone/>
-            </a:pPr>
-            <a:r>
-              <a:rPr lang="de-DE" sz="1600" dirty="0"/>
+            <a:endParaRPr lang="de-DE" sz="1800" dirty="0"/>
+          </a:p>
+          <a:p>
+            <a:pPr marL="0" indent="0">
+              <a:buNone/>
+            </a:pPr>
+            <a:r>
+              <a:rPr lang="de-DE" sz="1800" dirty="0"/>
               <a:t>                FROM Mitarbeiter </a:t>
             </a:r>
             <a:r>
-              <a:rPr lang="de-DE" sz="1600" dirty="0" err="1"/>
+              <a:rPr lang="de-DE" sz="1800" dirty="0" err="1"/>
               <a:t>as</a:t>
             </a:r>
             <a:r>
-              <a:rPr lang="de-DE" sz="1600" dirty="0"/>
+              <a:rPr lang="de-DE" sz="1800" dirty="0"/>
               <a:t> </a:t>
             </a:r>
             <a:r>
-              <a:rPr lang="de-DE" sz="1600" dirty="0" err="1"/>
+              <a:rPr lang="de-DE" sz="1800" dirty="0" err="1"/>
               <a:t>this</a:t>
             </a:r>
-            <a:endParaRPr lang="de-DE" sz="1600" dirty="0"/>
-          </a:p>
-          <a:p>
-            <a:pPr marL="0" indent="0">
-              <a:buNone/>
-            </a:pPr>
-            <a:r>
-              <a:rPr lang="de-DE" sz="1600" dirty="0"/>
+            <a:endParaRPr lang="de-DE" sz="1800" dirty="0"/>
+          </a:p>
+          <a:p>
+            <a:pPr marL="0" indent="0">
+              <a:buNone/>
+            </a:pPr>
+            <a:r>
+              <a:rPr lang="de-DE" sz="1800" dirty="0"/>
               <a:t>                LEFT OUTER JOIN Mitarbeiter AS </a:t>
             </a:r>
             <a:r>
-              <a:rPr lang="de-DE" sz="1600" dirty="0" err="1"/>
+              <a:rPr lang="de-DE" sz="1800" dirty="0" err="1"/>
               <a:t>other</a:t>
             </a:r>
-            <a:endParaRPr lang="de-DE" sz="1600" dirty="0"/>
-          </a:p>
-          <a:p>
-            <a:pPr marL="0" indent="0">
-              <a:buNone/>
-            </a:pPr>
-            <a:r>
-              <a:rPr lang="de-DE" sz="1600" dirty="0"/>
+            <a:endParaRPr lang="de-DE" sz="1800" dirty="0"/>
+          </a:p>
+          <a:p>
+            <a:pPr marL="0" indent="0">
+              <a:buNone/>
+            </a:pPr>
+            <a:r>
+              <a:rPr lang="de-DE" sz="1800" dirty="0"/>
               <a:t>                ON </a:t>
             </a:r>
             <a:r>
-              <a:rPr lang="de-DE" sz="1600" dirty="0" err="1"/>
+              <a:rPr lang="de-DE" sz="1800" dirty="0" err="1"/>
               <a:t>this.Vorgesetzter</a:t>
             </a:r>
             <a:r>
-              <a:rPr lang="de-DE" sz="1600" dirty="0"/>
+              <a:rPr lang="de-DE" sz="1800" dirty="0"/>
               <a:t> = </a:t>
             </a:r>
             <a:r>
-              <a:rPr lang="de-DE" sz="1600" dirty="0" err="1"/>
+              <a:rPr lang="de-DE" sz="1800" dirty="0" err="1"/>
               <a:t>other</a:t>
             </a:r>
             <a:r>
-              <a:rPr lang="de-DE" sz="1600" dirty="0"/>
+              <a:rPr lang="de-DE" sz="1800" dirty="0"/>
               <a:t>."Mitarbeiter-ID";</a:t>
             </a:r>
           </a:p>
@@ -4759,7 +5337,13 @@
   <p:cSld>
     <p:spTree>
       <p:nvGrpSpPr>
-        <p:cNvPr id="1" name=""/>
+        <p:cNvPr id="1" name="">
+          <a:extLst>
+            <a:ext uri="{FF2B5EF4-FFF2-40B4-BE49-F238E27FC236}">
+              <a16:creationId xmlns:a16="http://schemas.microsoft.com/office/drawing/2014/main" id="{0A8850F9-8ACE-D35C-9EF0-14256AF1A6E9}"/>
+            </a:ext>
+          </a:extLst>
+        </p:cNvPr>
         <p:cNvGrpSpPr/>
         <p:nvPr/>
       </p:nvGrpSpPr>
@@ -4776,7 +5360,7 @@
           <p:cNvPr id="2" name="Titel 1">
             <a:extLst>
               <a:ext uri="{FF2B5EF4-FFF2-40B4-BE49-F238E27FC236}">
-                <a16:creationId xmlns:a16="http://schemas.microsoft.com/office/drawing/2014/main" id="{2B5F0194-8979-F1F5-4E61-70598CE230AE}"/>
+                <a16:creationId xmlns:a16="http://schemas.microsoft.com/office/drawing/2014/main" id="{5BEBA18A-8EA0-7AC9-A429-3765FF580F10}"/>
               </a:ext>
             </a:extLst>
           </p:cNvPr>
@@ -4794,301 +5378,43 @@
           <a:p>
             <a:r>
               <a:rPr lang="de-DE" dirty="0"/>
-              <a:t>Relationales Schema</a:t>
-            </a:r>
-          </a:p>
-        </p:txBody>
-      </p:sp>
-      <p:sp>
-        <p:nvSpPr>
-          <p:cNvPr id="3" name="Inhaltsplatzhalter 2">
-            <a:extLst>
-              <a:ext uri="{FF2B5EF4-FFF2-40B4-BE49-F238E27FC236}">
-                <a16:creationId xmlns:a16="http://schemas.microsoft.com/office/drawing/2014/main" id="{C55A239E-19F1-EA77-6266-DE848D002B04}"/>
-              </a:ext>
-            </a:extLst>
-          </p:cNvPr>
-          <p:cNvSpPr>
-            <a:spLocks noGrp="1"/>
-          </p:cNvSpPr>
+              <a:t>Entity-Relationship-Modell</a:t>
+            </a:r>
+          </a:p>
+        </p:txBody>
+      </p:sp>
+      <p:pic>
+        <p:nvPicPr>
+          <p:cNvPr id="5" name="Inhaltsplatzhalter 4">
+            <a:extLst>
+              <a:ext uri="{FF2B5EF4-FFF2-40B4-BE49-F238E27FC236}">
+                <a16:creationId xmlns:a16="http://schemas.microsoft.com/office/drawing/2014/main" id="{61204E47-0789-36E5-FC29-3D21FFFB8BAA}"/>
+              </a:ext>
+            </a:extLst>
+          </p:cNvPr>
+          <p:cNvPicPr>
+            <a:picLocks noGrp="1" noChangeAspect="1"/>
+          </p:cNvPicPr>
           <p:nvPr>
             <p:ph idx="1"/>
           </p:nvPr>
-        </p:nvSpPr>
-        <p:spPr/>
-        <p:txBody>
-          <a:bodyPr>
-            <a:normAutofit/>
-          </a:bodyPr>
-          <a:lstStyle/>
-          <a:p>
-            <a:pPr marL="0" indent="0">
-              <a:buNone/>
-            </a:pPr>
-            <a:r>
-              <a:rPr lang="de-DE" sz="1800" dirty="0">
-                <a:cs typeface="Calibri" panose="020F0502020204030204" pitchFamily="34" charset="0"/>
-              </a:rPr>
-              <a:t>Mitarbeiter(</a:t>
-            </a:r>
-            <a:r>
-              <a:rPr lang="de-DE" sz="1800" u="sng" dirty="0">
-                <a:cs typeface="Calibri" panose="020F0502020204030204" pitchFamily="34" charset="0"/>
-              </a:rPr>
-              <a:t>Mitarbeiter-ID</a:t>
-            </a:r>
-            <a:r>
-              <a:rPr lang="de-DE" sz="1800" dirty="0">
-                <a:cs typeface="Calibri" panose="020F0502020204030204" pitchFamily="34" charset="0"/>
-              </a:rPr>
-              <a:t>, Name, Geburtsdatum, Adresse, Wochenstunden, Gehalt, Aufgabenbereich, Vorgesetzter, Passwort)</a:t>
-            </a:r>
-          </a:p>
-          <a:p>
-            <a:endParaRPr lang="de-DE" sz="1800" dirty="0">
-              <a:cs typeface="Calibri" panose="020F0502020204030204" pitchFamily="34" charset="0"/>
-            </a:endParaRPr>
-          </a:p>
-          <a:p>
-            <a:pPr marL="0" indent="0">
-              <a:buNone/>
-            </a:pPr>
-            <a:r>
-              <a:rPr lang="de-DE" sz="1800" dirty="0">
-                <a:cs typeface="Calibri" panose="020F0502020204030204" pitchFamily="34" charset="0"/>
-              </a:rPr>
-              <a:t>Großkunde(</a:t>
-            </a:r>
-            <a:r>
-              <a:rPr lang="de-DE" sz="1800" u="sng" dirty="0">
-                <a:cs typeface="Calibri" panose="020F0502020204030204" pitchFamily="34" charset="0"/>
-              </a:rPr>
-              <a:t>Kunden-ID</a:t>
-            </a:r>
-            <a:r>
-              <a:rPr lang="de-DE" sz="1800" dirty="0">
-                <a:cs typeface="Calibri" panose="020F0502020204030204" pitchFamily="34" charset="0"/>
-              </a:rPr>
-              <a:t>, Name, Adresse, Registrierungsdatum, Gesamtausgaben, Passwort)</a:t>
-            </a:r>
-          </a:p>
-          <a:p>
-            <a:endParaRPr lang="de-DE" sz="1800" dirty="0">
-              <a:cs typeface="Calibri" panose="020F0502020204030204" pitchFamily="34" charset="0"/>
-            </a:endParaRPr>
-          </a:p>
-          <a:p>
-            <a:pPr marL="0" indent="0">
-              <a:buNone/>
-            </a:pPr>
-            <a:r>
-              <a:rPr lang="de-DE" sz="1800" dirty="0">
-                <a:cs typeface="Calibri" panose="020F0502020204030204" pitchFamily="34" charset="0"/>
-              </a:rPr>
-              <a:t>Ware(</a:t>
-            </a:r>
-            <a:r>
-              <a:rPr lang="de-DE" sz="1800" u="sng" dirty="0">
-                <a:cs typeface="Calibri" panose="020F0502020204030204" pitchFamily="34" charset="0"/>
-              </a:rPr>
-              <a:t>Waren-ID</a:t>
-            </a:r>
-            <a:r>
-              <a:rPr lang="de-DE" sz="1800" dirty="0">
-                <a:cs typeface="Calibri" panose="020F0502020204030204" pitchFamily="34" charset="0"/>
-              </a:rPr>
-              <a:t>, Name, Preis, Bestand, Temperatur, Platzbedarf)</a:t>
-            </a:r>
-          </a:p>
-          <a:p>
-            <a:endParaRPr lang="de-DE" sz="1800" dirty="0">
-              <a:cs typeface="Calibri" panose="020F0502020204030204" pitchFamily="34" charset="0"/>
-            </a:endParaRPr>
-          </a:p>
-          <a:p>
-            <a:pPr marL="0" indent="0">
-              <a:buNone/>
-            </a:pPr>
-            <a:r>
-              <a:rPr lang="de-DE" sz="1800" dirty="0">
-                <a:cs typeface="Calibri" panose="020F0502020204030204" pitchFamily="34" charset="0"/>
-              </a:rPr>
-              <a:t>Regal(</a:t>
-            </a:r>
-            <a:r>
-              <a:rPr lang="de-DE" sz="1800" u="sng" dirty="0">
-                <a:cs typeface="Calibri" panose="020F0502020204030204" pitchFamily="34" charset="0"/>
-              </a:rPr>
-              <a:t>Regal-ID</a:t>
-            </a:r>
-            <a:r>
-              <a:rPr lang="de-DE" sz="1800" dirty="0">
-                <a:cs typeface="Calibri" panose="020F0502020204030204" pitchFamily="34" charset="0"/>
-              </a:rPr>
-              <a:t>, Position, Kapazität, Temperatur)</a:t>
-            </a:r>
-          </a:p>
-          <a:p>
-            <a:endParaRPr lang="de-DE" sz="1800" dirty="0">
-              <a:cs typeface="Calibri" panose="020F0502020204030204" pitchFamily="34" charset="0"/>
-            </a:endParaRPr>
-          </a:p>
-          <a:p>
-            <a:pPr marL="0" indent="0">
-              <a:buNone/>
-            </a:pPr>
-            <a:r>
-              <a:rPr lang="de-DE" sz="1800" dirty="0">
-                <a:cs typeface="Calibri" panose="020F0502020204030204" pitchFamily="34" charset="0"/>
-              </a:rPr>
-              <a:t>bestellt(</a:t>
-            </a:r>
-            <a:r>
-              <a:rPr lang="de-DE" sz="1800" u="sng" dirty="0">
-                <a:cs typeface="Calibri" panose="020F0502020204030204" pitchFamily="34" charset="0"/>
-              </a:rPr>
-              <a:t>Bestell-ID</a:t>
-            </a:r>
-            <a:r>
-              <a:rPr lang="de-DE" sz="1800" dirty="0">
-                <a:cs typeface="Calibri" panose="020F0502020204030204" pitchFamily="34" charset="0"/>
-              </a:rPr>
-              <a:t>, </a:t>
-            </a:r>
-            <a:r>
-              <a:rPr lang="de-DE" sz="1800" dirty="0">
-                <a:highlight>
-                  <a:srgbClr val="00FF00"/>
-                </a:highlight>
-                <a:cs typeface="Calibri" panose="020F0502020204030204" pitchFamily="34" charset="0"/>
-              </a:rPr>
-              <a:t>Kunden-ID</a:t>
-            </a:r>
-            <a:r>
-              <a:rPr lang="de-DE" sz="1800" b="1" dirty="0">
-                <a:effectLst/>
-                <a:highlight>
-                  <a:srgbClr val="00FF00"/>
-                </a:highlight>
-                <a:ea typeface="Calibri" panose="020F0502020204030204" pitchFamily="34" charset="0"/>
-                <a:cs typeface="Calibri" panose="020F0502020204030204" pitchFamily="34" charset="0"/>
-                <a:sym typeface="Wingdings" panose="05000000000000000000" pitchFamily="2" charset="2"/>
-              </a:rPr>
-              <a:t></a:t>
-            </a:r>
-            <a:r>
-              <a:rPr lang="de-DE" sz="1800" dirty="0">
-                <a:highlight>
-                  <a:srgbClr val="00FF00"/>
-                </a:highlight>
-                <a:cs typeface="Calibri" panose="020F0502020204030204" pitchFamily="34" charset="0"/>
-              </a:rPr>
-              <a:t>, Waren-ID</a:t>
-            </a:r>
-            <a:r>
-              <a:rPr lang="de-DE" sz="1800" b="1" dirty="0">
-                <a:effectLst/>
-                <a:highlight>
-                  <a:srgbClr val="00FF00"/>
-                </a:highlight>
-                <a:ea typeface="Calibri" panose="020F0502020204030204" pitchFamily="34" charset="0"/>
-                <a:cs typeface="Calibri" panose="020F0502020204030204" pitchFamily="34" charset="0"/>
-                <a:sym typeface="Wingdings" panose="05000000000000000000" pitchFamily="2" charset="2"/>
-              </a:rPr>
-              <a:t></a:t>
-            </a:r>
-            <a:r>
-              <a:rPr lang="de-DE" sz="1800" dirty="0">
-                <a:cs typeface="Calibri" panose="020F0502020204030204" pitchFamily="34" charset="0"/>
-              </a:rPr>
-              <a:t>, Menge, Bestelldatum, Abholdatum, Gesamtpreis)</a:t>
-            </a:r>
-          </a:p>
-          <a:p>
-            <a:endParaRPr lang="de-DE" sz="1800" dirty="0">
-              <a:cs typeface="Calibri" panose="020F0502020204030204" pitchFamily="34" charset="0"/>
-            </a:endParaRPr>
-          </a:p>
-          <a:p>
-            <a:pPr marL="0" indent="0">
-              <a:buNone/>
-            </a:pPr>
-            <a:r>
-              <a:rPr lang="de-DE" sz="1800" dirty="0">
-                <a:cs typeface="Calibri" panose="020F0502020204030204" pitchFamily="34" charset="0"/>
-              </a:rPr>
-              <a:t>enthält(</a:t>
-            </a:r>
-            <a:r>
-              <a:rPr lang="de-DE" sz="1800" u="sng" dirty="0">
-                <a:cs typeface="Calibri" panose="020F0502020204030204" pitchFamily="34" charset="0"/>
-              </a:rPr>
-              <a:t>Enthält-ID</a:t>
-            </a:r>
-            <a:r>
-              <a:rPr lang="de-DE" sz="1800" dirty="0">
-                <a:cs typeface="Calibri" panose="020F0502020204030204" pitchFamily="34" charset="0"/>
-              </a:rPr>
-              <a:t>, </a:t>
-            </a:r>
-            <a:r>
-              <a:rPr lang="de-DE" sz="1800" dirty="0">
-                <a:highlight>
-                  <a:srgbClr val="00FF00"/>
-                </a:highlight>
-                <a:cs typeface="Calibri" panose="020F0502020204030204" pitchFamily="34" charset="0"/>
-              </a:rPr>
-              <a:t>Regal-ID</a:t>
-            </a:r>
-            <a:r>
-              <a:rPr lang="de-DE" sz="1800" b="1" dirty="0">
-                <a:effectLst/>
-                <a:highlight>
-                  <a:srgbClr val="00FF00"/>
-                </a:highlight>
-                <a:ea typeface="Calibri" panose="020F0502020204030204" pitchFamily="34" charset="0"/>
-                <a:cs typeface="Calibri" panose="020F0502020204030204" pitchFamily="34" charset="0"/>
-                <a:sym typeface="Wingdings" panose="05000000000000000000" pitchFamily="2" charset="2"/>
-              </a:rPr>
-              <a:t></a:t>
-            </a:r>
-            <a:r>
-              <a:rPr lang="de-DE" sz="1800" dirty="0">
-                <a:highlight>
-                  <a:srgbClr val="00FF00"/>
-                </a:highlight>
-                <a:cs typeface="Calibri" panose="020F0502020204030204" pitchFamily="34" charset="0"/>
-              </a:rPr>
-              <a:t>, Waren-ID</a:t>
-            </a:r>
-            <a:r>
-              <a:rPr lang="de-DE" sz="1800" b="1" dirty="0">
-                <a:effectLst/>
-                <a:highlight>
-                  <a:srgbClr val="00FF00"/>
-                </a:highlight>
-                <a:ea typeface="Calibri" panose="020F0502020204030204" pitchFamily="34" charset="0"/>
-                <a:cs typeface="Calibri" panose="020F0502020204030204" pitchFamily="34" charset="0"/>
-                <a:sym typeface="Wingdings" panose="05000000000000000000" pitchFamily="2" charset="2"/>
-              </a:rPr>
-              <a:t></a:t>
-            </a:r>
-            <a:r>
-              <a:rPr lang="de-DE" sz="1800" dirty="0">
-                <a:cs typeface="Calibri" panose="020F0502020204030204" pitchFamily="34" charset="0"/>
-              </a:rPr>
-              <a:t>, Menge)</a:t>
-            </a:r>
-          </a:p>
-          <a:p>
-            <a:endParaRPr lang="de-DE" dirty="0"/>
-          </a:p>
-        </p:txBody>
-      </p:sp>
+        </p:nvPicPr>
+        <p:blipFill>
+          <a:blip r:embed="rId2"/>
+          <a:srcRect t="12771" r="64014" b="26127"/>
+          <a:stretch/>
+        </p:blipFill>
+        <p:spPr>
+          <a:xfrm>
+            <a:off x="2744933" y="1441449"/>
+            <a:ext cx="5364017" cy="4969635"/>
+          </a:xfrm>
+        </p:spPr>
+      </p:pic>
     </p:spTree>
     <p:extLst>
       <p:ext uri="{BB962C8B-B14F-4D97-AF65-F5344CB8AC3E}">
-        <p14:creationId xmlns:p14="http://schemas.microsoft.com/office/powerpoint/2010/main" val="670011791"/>
+        <p14:creationId xmlns:p14="http://schemas.microsoft.com/office/powerpoint/2010/main" val="2897940346"/>
       </p:ext>
     </p:extLst>
   </p:cSld>
@@ -5099,6 +5425,190 @@
 </file>
 
 <file path=ppt/slides/slide4.xml><?xml version="1.0" encoding="utf-8"?>
+<p:sld xmlns:a="http://schemas.openxmlformats.org/drawingml/2006/main" xmlns:r="http://schemas.openxmlformats.org/officeDocument/2006/relationships" xmlns:p="http://schemas.openxmlformats.org/presentationml/2006/main">
+  <p:cSld>
+    <p:spTree>
+      <p:nvGrpSpPr>
+        <p:cNvPr id="1" name="">
+          <a:extLst>
+            <a:ext uri="{FF2B5EF4-FFF2-40B4-BE49-F238E27FC236}">
+              <a16:creationId xmlns:a16="http://schemas.microsoft.com/office/drawing/2014/main" id="{FC030750-8B69-F156-F092-F65A1C3BBA7C}"/>
+            </a:ext>
+          </a:extLst>
+        </p:cNvPr>
+        <p:cNvGrpSpPr/>
+        <p:nvPr/>
+      </p:nvGrpSpPr>
+      <p:grpSpPr>
+        <a:xfrm>
+          <a:off x="0" y="0"/>
+          <a:ext cx="0" cy="0"/>
+          <a:chOff x="0" y="0"/>
+          <a:chExt cx="0" cy="0"/>
+        </a:xfrm>
+      </p:grpSpPr>
+      <p:sp>
+        <p:nvSpPr>
+          <p:cNvPr id="2" name="Titel 1">
+            <a:extLst>
+              <a:ext uri="{FF2B5EF4-FFF2-40B4-BE49-F238E27FC236}">
+                <a16:creationId xmlns:a16="http://schemas.microsoft.com/office/drawing/2014/main" id="{D9041D1E-1806-5B1B-8725-EFEFB0598915}"/>
+              </a:ext>
+            </a:extLst>
+          </p:cNvPr>
+          <p:cNvSpPr>
+            <a:spLocks noGrp="1"/>
+          </p:cNvSpPr>
+          <p:nvPr>
+            <p:ph type="title"/>
+          </p:nvPr>
+        </p:nvSpPr>
+        <p:spPr/>
+        <p:txBody>
+          <a:bodyPr/>
+          <a:lstStyle/>
+          <a:p>
+            <a:r>
+              <a:rPr lang="de-DE" dirty="0"/>
+              <a:t>Entity-Relationship-Modell</a:t>
+            </a:r>
+          </a:p>
+        </p:txBody>
+      </p:sp>
+      <p:pic>
+        <p:nvPicPr>
+          <p:cNvPr id="5" name="Inhaltsplatzhalter 4">
+            <a:extLst>
+              <a:ext uri="{FF2B5EF4-FFF2-40B4-BE49-F238E27FC236}">
+                <a16:creationId xmlns:a16="http://schemas.microsoft.com/office/drawing/2014/main" id="{7637706A-32F5-1517-1831-0707F5F9BFCE}"/>
+              </a:ext>
+            </a:extLst>
+          </p:cNvPr>
+          <p:cNvPicPr>
+            <a:picLocks noGrp="1" noChangeAspect="1"/>
+          </p:cNvPicPr>
+          <p:nvPr>
+            <p:ph idx="1"/>
+          </p:nvPr>
+        </p:nvPicPr>
+        <p:blipFill>
+          <a:blip r:embed="rId2"/>
+          <a:srcRect l="36421" b="26827"/>
+          <a:stretch/>
+        </p:blipFill>
+        <p:spPr>
+          <a:xfrm>
+            <a:off x="1809750" y="1393825"/>
+            <a:ext cx="8119716" cy="5099050"/>
+          </a:xfrm>
+        </p:spPr>
+      </p:pic>
+    </p:spTree>
+    <p:extLst>
+      <p:ext uri="{BB962C8B-B14F-4D97-AF65-F5344CB8AC3E}">
+        <p14:creationId xmlns:p14="http://schemas.microsoft.com/office/powerpoint/2010/main" val="275871974"/>
+      </p:ext>
+    </p:extLst>
+  </p:cSld>
+  <p:clrMapOvr>
+    <a:masterClrMapping/>
+  </p:clrMapOvr>
+</p:sld>
+</file>
+
+<file path=ppt/slides/slide5.xml><?xml version="1.0" encoding="utf-8"?>
+<p:sld xmlns:a="http://schemas.openxmlformats.org/drawingml/2006/main" xmlns:r="http://schemas.openxmlformats.org/officeDocument/2006/relationships" xmlns:p="http://schemas.openxmlformats.org/presentationml/2006/main">
+  <p:cSld>
+    <p:spTree>
+      <p:nvGrpSpPr>
+        <p:cNvPr id="1" name="">
+          <a:extLst>
+            <a:ext uri="{FF2B5EF4-FFF2-40B4-BE49-F238E27FC236}">
+              <a16:creationId xmlns:a16="http://schemas.microsoft.com/office/drawing/2014/main" id="{85ACD5D8-903B-1560-6101-3F62E25927F9}"/>
+            </a:ext>
+          </a:extLst>
+        </p:cNvPr>
+        <p:cNvGrpSpPr/>
+        <p:nvPr/>
+      </p:nvGrpSpPr>
+      <p:grpSpPr>
+        <a:xfrm>
+          <a:off x="0" y="0"/>
+          <a:ext cx="0" cy="0"/>
+          <a:chOff x="0" y="0"/>
+          <a:chExt cx="0" cy="0"/>
+        </a:xfrm>
+      </p:grpSpPr>
+      <p:sp>
+        <p:nvSpPr>
+          <p:cNvPr id="2" name="Titel 1">
+            <a:extLst>
+              <a:ext uri="{FF2B5EF4-FFF2-40B4-BE49-F238E27FC236}">
+                <a16:creationId xmlns:a16="http://schemas.microsoft.com/office/drawing/2014/main" id="{D2533ECD-0044-9B6A-0B28-BA344F9C631C}"/>
+              </a:ext>
+            </a:extLst>
+          </p:cNvPr>
+          <p:cNvSpPr>
+            <a:spLocks noGrp="1"/>
+          </p:cNvSpPr>
+          <p:nvPr>
+            <p:ph type="title"/>
+          </p:nvPr>
+        </p:nvSpPr>
+        <p:spPr/>
+        <p:txBody>
+          <a:bodyPr/>
+          <a:lstStyle/>
+          <a:p>
+            <a:r>
+              <a:rPr lang="de-DE" dirty="0"/>
+              <a:t>Entity-Relationship-Modell</a:t>
+            </a:r>
+          </a:p>
+        </p:txBody>
+      </p:sp>
+      <p:pic>
+        <p:nvPicPr>
+          <p:cNvPr id="5" name="Inhaltsplatzhalter 4">
+            <a:extLst>
+              <a:ext uri="{FF2B5EF4-FFF2-40B4-BE49-F238E27FC236}">
+                <a16:creationId xmlns:a16="http://schemas.microsoft.com/office/drawing/2014/main" id="{E797D3A3-31D8-5855-97AC-AEAA4F72BCCD}"/>
+              </a:ext>
+            </a:extLst>
+          </p:cNvPr>
+          <p:cNvPicPr>
+            <a:picLocks noGrp="1" noChangeAspect="1"/>
+          </p:cNvPicPr>
+          <p:nvPr>
+            <p:ph idx="1"/>
+          </p:nvPr>
+        </p:nvPicPr>
+        <p:blipFill>
+          <a:blip r:embed="rId2"/>
+          <a:srcRect l="36234" t="26256"/>
+          <a:stretch/>
+        </p:blipFill>
+        <p:spPr>
+          <a:xfrm>
+            <a:off x="1816100" y="1622085"/>
+            <a:ext cx="8005616" cy="5051765"/>
+          </a:xfrm>
+        </p:spPr>
+      </p:pic>
+    </p:spTree>
+    <p:extLst>
+      <p:ext uri="{BB962C8B-B14F-4D97-AF65-F5344CB8AC3E}">
+        <p14:creationId xmlns:p14="http://schemas.microsoft.com/office/powerpoint/2010/main" val="2682600251"/>
+      </p:ext>
+    </p:extLst>
+  </p:cSld>
+  <p:clrMapOvr>
+    <a:masterClrMapping/>
+  </p:clrMapOvr>
+</p:sld>
+</file>
+
+<file path=ppt/slides/slide6.xml><?xml version="1.0" encoding="utf-8"?>
 <p:sld xmlns:a="http://schemas.openxmlformats.org/drawingml/2006/main" xmlns:r="http://schemas.openxmlformats.org/officeDocument/2006/relationships" xmlns:p="http://schemas.openxmlformats.org/presentationml/2006/main">
   <p:cSld>
     <p:spTree>
@@ -5120,7 +5630,7 @@
           <p:cNvPr id="2" name="Titel 1">
             <a:extLst>
               <a:ext uri="{FF2B5EF4-FFF2-40B4-BE49-F238E27FC236}">
-                <a16:creationId xmlns:a16="http://schemas.microsoft.com/office/drawing/2014/main" id="{56AD0ED2-1075-3739-6843-98275FD9D8E4}"/>
+                <a16:creationId xmlns:a16="http://schemas.microsoft.com/office/drawing/2014/main" id="{2B5F0194-8979-F1F5-4E61-70598CE230AE}"/>
               </a:ext>
             </a:extLst>
           </p:cNvPr>
@@ -5138,66 +5648,28 @@
           <a:p>
             <a:r>
               <a:rPr lang="de-DE" dirty="0"/>
-              <a:t>Normalisierung</a:t>
-            </a:r>
-          </a:p>
-        </p:txBody>
-      </p:sp>
-      <p:sp>
-        <p:nvSpPr>
-          <p:cNvPr id="3" name="Textplatzhalter 2">
-            <a:extLst>
-              <a:ext uri="{FF2B5EF4-FFF2-40B4-BE49-F238E27FC236}">
-                <a16:creationId xmlns:a16="http://schemas.microsoft.com/office/drawing/2014/main" id="{138612E4-9BD1-60F6-7281-A3310EE7A0C6}"/>
-              </a:ext>
-            </a:extLst>
-          </p:cNvPr>
-          <p:cNvSpPr>
-            <a:spLocks noGrp="1"/>
-          </p:cNvSpPr>
-          <p:nvPr>
-            <p:ph type="body" idx="1"/>
-          </p:nvPr>
-        </p:nvSpPr>
-        <p:spPr>
-          <a:xfrm>
-            <a:off x="228600" y="1319213"/>
-            <a:ext cx="5768975" cy="823912"/>
-          </a:xfrm>
-        </p:spPr>
-        <p:txBody>
-          <a:bodyPr/>
-          <a:lstStyle/>
-          <a:p>
-            <a:r>
-              <a:rPr lang="de-DE" dirty="0"/>
-              <a:t>Vorher</a:t>
-            </a:r>
-          </a:p>
-        </p:txBody>
-      </p:sp>
-      <p:sp>
-        <p:nvSpPr>
-          <p:cNvPr id="4" name="Inhaltsplatzhalter 3">
-            <a:extLst>
-              <a:ext uri="{FF2B5EF4-FFF2-40B4-BE49-F238E27FC236}">
-                <a16:creationId xmlns:a16="http://schemas.microsoft.com/office/drawing/2014/main" id="{488CEF41-77CC-8ED1-0E66-0CB054975279}"/>
-              </a:ext>
-            </a:extLst>
-          </p:cNvPr>
-          <p:cNvSpPr>
-            <a:spLocks noGrp="1"/>
-          </p:cNvSpPr>
-          <p:nvPr>
-            <p:ph sz="half" idx="2"/>
-          </p:nvPr>
-        </p:nvSpPr>
-        <p:spPr>
-          <a:xfrm>
-            <a:off x="228600" y="2422525"/>
-            <a:ext cx="5768975" cy="4073526"/>
-          </a:xfrm>
-        </p:spPr>
+              <a:t>Relationales Schema</a:t>
+            </a:r>
+          </a:p>
+        </p:txBody>
+      </p:sp>
+      <p:sp>
+        <p:nvSpPr>
+          <p:cNvPr id="3" name="Inhaltsplatzhalter 2">
+            <a:extLst>
+              <a:ext uri="{FF2B5EF4-FFF2-40B4-BE49-F238E27FC236}">
+                <a16:creationId xmlns:a16="http://schemas.microsoft.com/office/drawing/2014/main" id="{C55A239E-19F1-EA77-6266-DE848D002B04}"/>
+              </a:ext>
+            </a:extLst>
+          </p:cNvPr>
+          <p:cNvSpPr>
+            <a:spLocks noGrp="1"/>
+          </p:cNvSpPr>
+          <p:nvPr>
+            <p:ph idx="1"/>
+          </p:nvPr>
+        </p:nvSpPr>
+        <p:spPr/>
         <p:txBody>
           <a:bodyPr>
             <a:normAutofit/>
@@ -5208,44 +5680,26 @@
               <a:buNone/>
             </a:pPr>
             <a:r>
-              <a:rPr lang="de-DE" sz="1400" dirty="0">
+              <a:rPr lang="de-DE" sz="1800" dirty="0">
                 <a:cs typeface="Calibri" panose="020F0502020204030204" pitchFamily="34" charset="0"/>
               </a:rPr>
               <a:t>Mitarbeiter(</a:t>
             </a:r>
             <a:r>
-              <a:rPr lang="de-DE" sz="1400" u="sng" dirty="0">
+              <a:rPr lang="de-DE" sz="1800" u="sng" dirty="0">
                 <a:cs typeface="Calibri" panose="020F0502020204030204" pitchFamily="34" charset="0"/>
               </a:rPr>
               <a:t>Mitarbeiter-ID</a:t>
             </a:r>
             <a:r>
-              <a:rPr lang="de-DE" sz="1400" dirty="0">
-                <a:cs typeface="Calibri" panose="020F0502020204030204" pitchFamily="34" charset="0"/>
-              </a:rPr>
-              <a:t>, Name, Geburtsdatum, </a:t>
-            </a:r>
-            <a:r>
-              <a:rPr lang="de-DE" sz="1400" dirty="0">
-                <a:highlight>
-                  <a:srgbClr val="FF0000"/>
-                </a:highlight>
-                <a:cs typeface="Calibri" panose="020F0502020204030204" pitchFamily="34" charset="0"/>
-              </a:rPr>
-              <a:t>Adresse</a:t>
-            </a:r>
-            <a:r>
-              <a:rPr lang="de-DE" sz="1400" dirty="0">
-                <a:cs typeface="Calibri" panose="020F0502020204030204" pitchFamily="34" charset="0"/>
-              </a:rPr>
-              <a:t>, Wochenstunden, Gehalt, Aufgabenbereich, Vorgesetzter, Passwort)</a:t>
-            </a:r>
-          </a:p>
-          <a:p>
-            <a:pPr marL="0" indent="0">
-              <a:buNone/>
-            </a:pPr>
-            <a:endParaRPr lang="de-DE" sz="1400" dirty="0">
+              <a:rPr lang="de-DE" sz="1800" dirty="0">
+                <a:cs typeface="Calibri" panose="020F0502020204030204" pitchFamily="34" charset="0"/>
+              </a:rPr>
+              <a:t>, Name, Geburtsdatum, Adresse, Wochenstunden, Gehalt, Aufgabenbereich, Vorgesetzter, Passwort)</a:t>
+            </a:r>
+          </a:p>
+          <a:p>
+            <a:endParaRPr lang="de-DE" sz="1800" dirty="0">
               <a:cs typeface="Calibri" panose="020F0502020204030204" pitchFamily="34" charset="0"/>
             </a:endParaRPr>
           </a:p>
@@ -5254,59 +5708,26 @@
               <a:buNone/>
             </a:pPr>
             <a:r>
-              <a:rPr lang="de-DE" sz="1400" dirty="0">
+              <a:rPr lang="de-DE" sz="1800" dirty="0">
                 <a:cs typeface="Calibri" panose="020F0502020204030204" pitchFamily="34" charset="0"/>
               </a:rPr>
               <a:t>Großkunde(</a:t>
             </a:r>
             <a:r>
-              <a:rPr lang="de-DE" sz="1400" u="sng" dirty="0">
+              <a:rPr lang="de-DE" sz="1800" u="sng" dirty="0">
                 <a:cs typeface="Calibri" panose="020F0502020204030204" pitchFamily="34" charset="0"/>
               </a:rPr>
               <a:t>Kunden-ID</a:t>
             </a:r>
             <a:r>
-              <a:rPr lang="de-DE" sz="1400" dirty="0">
-                <a:cs typeface="Calibri" panose="020F0502020204030204" pitchFamily="34" charset="0"/>
-              </a:rPr>
-              <a:t>, </a:t>
-            </a:r>
-            <a:r>
-              <a:rPr lang="de-DE" sz="1400" dirty="0">
-                <a:highlight>
-                  <a:srgbClr val="FF0000"/>
-                </a:highlight>
-                <a:cs typeface="Calibri" panose="020F0502020204030204" pitchFamily="34" charset="0"/>
-              </a:rPr>
-              <a:t>Name</a:t>
-            </a:r>
-            <a:r>
-              <a:rPr lang="de-DE" sz="1400" dirty="0">
-                <a:cs typeface="Calibri" panose="020F0502020204030204" pitchFamily="34" charset="0"/>
-              </a:rPr>
-              <a:t>, </a:t>
-            </a:r>
-            <a:r>
-              <a:rPr lang="de-DE" sz="1400" dirty="0">
-                <a:highlight>
-                  <a:srgbClr val="FF0000"/>
-                </a:highlight>
-                <a:cs typeface="Calibri" panose="020F0502020204030204" pitchFamily="34" charset="0"/>
-              </a:rPr>
-              <a:t>Adresse</a:t>
-            </a:r>
-            <a:r>
-              <a:rPr lang="de-DE" sz="1400" dirty="0">
-                <a:cs typeface="Calibri" panose="020F0502020204030204" pitchFamily="34" charset="0"/>
-              </a:rPr>
-              <a:t>, Registrierungsdatum, Gesamtausgaben, Passwort)</a:t>
-            </a:r>
-          </a:p>
-          <a:p>
-            <a:pPr marL="0" indent="0">
-              <a:buNone/>
-            </a:pPr>
-            <a:endParaRPr lang="de-DE" sz="1400" dirty="0">
+              <a:rPr lang="de-DE" sz="1800" dirty="0">
+                <a:cs typeface="Calibri" panose="020F0502020204030204" pitchFamily="34" charset="0"/>
+              </a:rPr>
+              <a:t>, Name, Adresse, Registrierungsdatum, Gesamtausgaben, Passwort)</a:t>
+            </a:r>
+          </a:p>
+          <a:p>
+            <a:endParaRPr lang="de-DE" sz="1800" dirty="0">
               <a:cs typeface="Calibri" panose="020F0502020204030204" pitchFamily="34" charset="0"/>
             </a:endParaRPr>
           </a:p>
@@ -5315,29 +5736,26 @@
               <a:buNone/>
             </a:pPr>
             <a:r>
-              <a:rPr lang="de-DE" sz="1400" dirty="0">
+              <a:rPr lang="de-DE" sz="1800" dirty="0">
                 <a:cs typeface="Calibri" panose="020F0502020204030204" pitchFamily="34" charset="0"/>
               </a:rPr>
               <a:t>Ware(</a:t>
             </a:r>
             <a:r>
-              <a:rPr lang="de-DE" sz="1400" u="sng" dirty="0">
+              <a:rPr lang="de-DE" sz="1800" u="sng" dirty="0">
                 <a:cs typeface="Calibri" panose="020F0502020204030204" pitchFamily="34" charset="0"/>
               </a:rPr>
               <a:t>Waren-ID</a:t>
             </a:r>
             <a:r>
-              <a:rPr lang="de-DE" sz="1400" dirty="0">
+              <a:rPr lang="de-DE" sz="1800" dirty="0">
                 <a:cs typeface="Calibri" panose="020F0502020204030204" pitchFamily="34" charset="0"/>
               </a:rPr>
               <a:t>, Name, Preis, Bestand, Temperatur, Platzbedarf)</a:t>
             </a:r>
           </a:p>
           <a:p>
-            <a:pPr marL="0" indent="0">
-              <a:buNone/>
-            </a:pPr>
-            <a:endParaRPr lang="de-DE" sz="1400" dirty="0">
+            <a:endParaRPr lang="de-DE" sz="1800" dirty="0">
               <a:cs typeface="Calibri" panose="020F0502020204030204" pitchFamily="34" charset="0"/>
             </a:endParaRPr>
           </a:p>
@@ -5346,44 +5764,26 @@
               <a:buNone/>
             </a:pPr>
             <a:r>
-              <a:rPr lang="de-DE" sz="1400" dirty="0">
+              <a:rPr lang="de-DE" sz="1800" dirty="0">
                 <a:cs typeface="Calibri" panose="020F0502020204030204" pitchFamily="34" charset="0"/>
               </a:rPr>
               <a:t>Regal(</a:t>
             </a:r>
             <a:r>
-              <a:rPr lang="de-DE" sz="1400" u="sng" dirty="0">
+              <a:rPr lang="de-DE" sz="1800" u="sng" dirty="0">
                 <a:cs typeface="Calibri" panose="020F0502020204030204" pitchFamily="34" charset="0"/>
               </a:rPr>
               <a:t>Regal-ID</a:t>
             </a:r>
             <a:r>
-              <a:rPr lang="de-DE" sz="1400" dirty="0">
-                <a:cs typeface="Calibri" panose="020F0502020204030204" pitchFamily="34" charset="0"/>
-              </a:rPr>
-              <a:t>, </a:t>
-            </a:r>
-            <a:r>
-              <a:rPr lang="de-DE" sz="1400" dirty="0">
-                <a:highlight>
-                  <a:srgbClr val="FF0000"/>
-                </a:highlight>
-                <a:cs typeface="Calibri" panose="020F0502020204030204" pitchFamily="34" charset="0"/>
-              </a:rPr>
-              <a:t>Position</a:t>
-            </a:r>
-            <a:r>
-              <a:rPr lang="de-DE" sz="1400" dirty="0">
-                <a:cs typeface="Calibri" panose="020F0502020204030204" pitchFamily="34" charset="0"/>
-              </a:rPr>
-              <a:t>, Kapazität, Temperatur)</a:t>
-            </a:r>
-          </a:p>
-          <a:p>
-            <a:pPr marL="0" indent="0">
-              <a:buNone/>
-            </a:pPr>
-            <a:endParaRPr lang="de-DE" sz="1400" dirty="0">
+              <a:rPr lang="de-DE" sz="1800" dirty="0">
+                <a:cs typeface="Calibri" panose="020F0502020204030204" pitchFamily="34" charset="0"/>
+              </a:rPr>
+              <a:t>, Position, Kapazität, Temperatur)</a:t>
+            </a:r>
+          </a:p>
+          <a:p>
+            <a:endParaRPr lang="de-DE" sz="1800" dirty="0">
               <a:cs typeface="Calibri" panose="020F0502020204030204" pitchFamily="34" charset="0"/>
             </a:endParaRPr>
           </a:p>
@@ -5392,394 +5792,74 @@
               <a:buNone/>
             </a:pPr>
             <a:r>
-              <a:rPr lang="de-DE" sz="1400" dirty="0">
+              <a:rPr lang="de-DE" sz="1800" dirty="0">
                 <a:cs typeface="Calibri" panose="020F0502020204030204" pitchFamily="34" charset="0"/>
               </a:rPr>
               <a:t>bestellt(</a:t>
             </a:r>
             <a:r>
-              <a:rPr lang="de-DE" sz="1400" u="sng" dirty="0">
+              <a:rPr lang="de-DE" sz="1800" u="sng" dirty="0">
                 <a:cs typeface="Calibri" panose="020F0502020204030204" pitchFamily="34" charset="0"/>
               </a:rPr>
               <a:t>Bestell-ID</a:t>
             </a:r>
             <a:r>
-              <a:rPr lang="de-DE" sz="1400" dirty="0">
-                <a:cs typeface="Calibri" panose="020F0502020204030204" pitchFamily="34" charset="0"/>
-              </a:rPr>
-              <a:t>, Kunden-ID</a:t>
-            </a:r>
-            <a:r>
-              <a:rPr lang="de-DE" sz="1400" b="1" dirty="0">
-                <a:effectLst/>
-                <a:ea typeface="Calibri" panose="020F0502020204030204" pitchFamily="34" charset="0"/>
-                <a:cs typeface="Calibri" panose="020F0502020204030204" pitchFamily="34" charset="0"/>
-                <a:sym typeface="Wingdings" panose="05000000000000000000" pitchFamily="2" charset="2"/>
-              </a:rPr>
-              <a:t></a:t>
-            </a:r>
-            <a:r>
-              <a:rPr lang="de-DE" sz="1400" dirty="0">
-                <a:cs typeface="Calibri" panose="020F0502020204030204" pitchFamily="34" charset="0"/>
-              </a:rPr>
-              <a:t>, Waren-ID</a:t>
-            </a:r>
-            <a:r>
-              <a:rPr lang="de-DE" sz="1400" b="1" dirty="0">
-                <a:effectLst/>
-                <a:ea typeface="Calibri" panose="020F0502020204030204" pitchFamily="34" charset="0"/>
-                <a:cs typeface="Calibri" panose="020F0502020204030204" pitchFamily="34" charset="0"/>
-                <a:sym typeface="Wingdings" panose="05000000000000000000" pitchFamily="2" charset="2"/>
-              </a:rPr>
-              <a:t></a:t>
-            </a:r>
-            <a:r>
-              <a:rPr lang="de-DE" sz="1400" dirty="0">
-                <a:cs typeface="Calibri" panose="020F0502020204030204" pitchFamily="34" charset="0"/>
-              </a:rPr>
-              <a:t>, Menge, Bestelldatum, Abholdatum, Gesamtpreis)</a:t>
-            </a:r>
-          </a:p>
-          <a:p>
-            <a:pPr marL="0" indent="0">
-              <a:buNone/>
-            </a:pPr>
-            <a:endParaRPr lang="de-DE" sz="1400" dirty="0">
-              <a:cs typeface="Calibri" panose="020F0502020204030204" pitchFamily="34" charset="0"/>
-            </a:endParaRPr>
-          </a:p>
-          <a:p>
-            <a:pPr marL="0" indent="0">
-              <a:buNone/>
-            </a:pPr>
-            <a:r>
-              <a:rPr lang="de-DE" sz="1400" dirty="0">
-                <a:cs typeface="Calibri" panose="020F0502020204030204" pitchFamily="34" charset="0"/>
-              </a:rPr>
-              <a:t>enthält(</a:t>
-            </a:r>
-            <a:r>
-              <a:rPr lang="de-DE" sz="1400" u="sng" dirty="0">
-                <a:cs typeface="Calibri" panose="020F0502020204030204" pitchFamily="34" charset="0"/>
-              </a:rPr>
-              <a:t>Enthält-ID</a:t>
-            </a:r>
-            <a:r>
-              <a:rPr lang="de-DE" sz="1400" dirty="0">
-                <a:cs typeface="Calibri" panose="020F0502020204030204" pitchFamily="34" charset="0"/>
-              </a:rPr>
-              <a:t>, Regal-ID</a:t>
-            </a:r>
-            <a:r>
-              <a:rPr lang="de-DE" sz="1400" b="1" dirty="0">
-                <a:effectLst/>
-                <a:ea typeface="Calibri" panose="020F0502020204030204" pitchFamily="34" charset="0"/>
-                <a:cs typeface="Calibri" panose="020F0502020204030204" pitchFamily="34" charset="0"/>
-                <a:sym typeface="Wingdings" panose="05000000000000000000" pitchFamily="2" charset="2"/>
-              </a:rPr>
-              <a:t></a:t>
-            </a:r>
-            <a:r>
-              <a:rPr lang="de-DE" sz="1400" dirty="0">
-                <a:cs typeface="Calibri" panose="020F0502020204030204" pitchFamily="34" charset="0"/>
-              </a:rPr>
-              <a:t>, Waren-ID</a:t>
-            </a:r>
-            <a:r>
-              <a:rPr lang="de-DE" sz="1400" b="1" dirty="0">
-                <a:effectLst/>
-                <a:ea typeface="Calibri" panose="020F0502020204030204" pitchFamily="34" charset="0"/>
-                <a:cs typeface="Calibri" panose="020F0502020204030204" pitchFamily="34" charset="0"/>
-                <a:sym typeface="Wingdings" panose="05000000000000000000" pitchFamily="2" charset="2"/>
-              </a:rPr>
-              <a:t></a:t>
-            </a:r>
-            <a:r>
-              <a:rPr lang="de-DE" sz="1400" dirty="0">
-                <a:cs typeface="Calibri" panose="020F0502020204030204" pitchFamily="34" charset="0"/>
-              </a:rPr>
-              <a:t>, Menge)</a:t>
-            </a:r>
-          </a:p>
-        </p:txBody>
-      </p:sp>
-      <p:sp>
-        <p:nvSpPr>
-          <p:cNvPr id="5" name="Textplatzhalter 4">
-            <a:extLst>
-              <a:ext uri="{FF2B5EF4-FFF2-40B4-BE49-F238E27FC236}">
-                <a16:creationId xmlns:a16="http://schemas.microsoft.com/office/drawing/2014/main" id="{4AB0B7F4-306E-25A0-6220-2936A86564B0}"/>
-              </a:ext>
-            </a:extLst>
-          </p:cNvPr>
-          <p:cNvSpPr>
-            <a:spLocks noGrp="1"/>
-          </p:cNvSpPr>
-          <p:nvPr>
-            <p:ph type="body" sz="quarter" idx="3"/>
-          </p:nvPr>
-        </p:nvSpPr>
-        <p:spPr>
-          <a:xfrm>
-            <a:off x="6172198" y="1319213"/>
-            <a:ext cx="5768975" cy="823912"/>
-          </a:xfrm>
-        </p:spPr>
-        <p:txBody>
-          <a:bodyPr/>
-          <a:lstStyle/>
-          <a:p>
-            <a:r>
-              <a:rPr lang="de-DE" dirty="0"/>
-              <a:t>Nachher</a:t>
-            </a:r>
-          </a:p>
-        </p:txBody>
-      </p:sp>
-      <p:sp>
-        <p:nvSpPr>
-          <p:cNvPr id="6" name="Inhaltsplatzhalter 5">
-            <a:extLst>
-              <a:ext uri="{FF2B5EF4-FFF2-40B4-BE49-F238E27FC236}">
-                <a16:creationId xmlns:a16="http://schemas.microsoft.com/office/drawing/2014/main" id="{67678D93-632B-9F84-FE69-A9D10C9042C1}"/>
-              </a:ext>
-            </a:extLst>
-          </p:cNvPr>
-          <p:cNvSpPr>
-            <a:spLocks noGrp="1"/>
-          </p:cNvSpPr>
-          <p:nvPr>
-            <p:ph sz="quarter" idx="4"/>
-          </p:nvPr>
-        </p:nvSpPr>
-        <p:spPr>
-          <a:xfrm>
-            <a:off x="6172199" y="2422525"/>
-            <a:ext cx="5768975" cy="4073526"/>
-          </a:xfrm>
-        </p:spPr>
-        <p:txBody>
-          <a:bodyPr>
-            <a:normAutofit/>
-          </a:bodyPr>
-          <a:lstStyle/>
-          <a:p>
-            <a:pPr marL="0" indent="0">
-              <a:buNone/>
-            </a:pPr>
-            <a:r>
-              <a:rPr lang="de-DE" sz="1400" dirty="0">
-                <a:latin typeface="+mj-lt"/>
-                <a:cs typeface="Calibri" panose="020F0502020204030204" pitchFamily="34" charset="0"/>
-              </a:rPr>
-              <a:t>Mitarbeiter(</a:t>
-            </a:r>
-            <a:r>
-              <a:rPr lang="de-DE" sz="1400" u="sng" dirty="0">
-                <a:cs typeface="Calibri" panose="020F0502020204030204" pitchFamily="34" charset="0"/>
-              </a:rPr>
-              <a:t>Mitarbeiter-ID</a:t>
-            </a:r>
-            <a:r>
-              <a:rPr lang="de-DE" sz="1400" dirty="0">
-                <a:latin typeface="+mj-lt"/>
-                <a:cs typeface="Calibri" panose="020F0502020204030204" pitchFamily="34" charset="0"/>
-              </a:rPr>
-              <a:t>, Name, Geburtsdatum, </a:t>
-            </a:r>
-            <a:r>
-              <a:rPr lang="de-DE" sz="1400" dirty="0">
+              <a:rPr lang="de-DE" sz="1800" dirty="0">
+                <a:cs typeface="Calibri" panose="020F0502020204030204" pitchFamily="34" charset="0"/>
+              </a:rPr>
+              <a:t>, </a:t>
+            </a:r>
+            <a:r>
+              <a:rPr lang="de-DE" sz="1800" dirty="0">
                 <a:highlight>
                   <a:srgbClr val="00FF00"/>
                 </a:highlight>
-                <a:latin typeface="+mj-lt"/>
-                <a:cs typeface="Calibri" panose="020F0502020204030204" pitchFamily="34" charset="0"/>
-              </a:rPr>
-              <a:t>Ort, Straße</a:t>
-            </a:r>
-            <a:r>
-              <a:rPr lang="de-DE" sz="1400" dirty="0">
-                <a:latin typeface="+mj-lt"/>
-                <a:cs typeface="Calibri" panose="020F0502020204030204" pitchFamily="34" charset="0"/>
-              </a:rPr>
-              <a:t>, Wochenstunden, Gehalt, Aufgabenbereich, Vorgesetzter, Passwort)</a:t>
-            </a:r>
-          </a:p>
-          <a:p>
-            <a:pPr marL="0" indent="0">
-              <a:buNone/>
-            </a:pPr>
-            <a:endParaRPr lang="de-DE" sz="1400" dirty="0">
-              <a:latin typeface="+mj-lt"/>
-              <a:cs typeface="Calibri" panose="020F0502020204030204" pitchFamily="34" charset="0"/>
-            </a:endParaRPr>
-          </a:p>
-          <a:p>
-            <a:pPr marL="0" indent="0">
-              <a:buNone/>
-            </a:pPr>
-            <a:r>
-              <a:rPr lang="de-DE" sz="1400" dirty="0">
-                <a:latin typeface="+mj-lt"/>
-                <a:cs typeface="Calibri" panose="020F0502020204030204" pitchFamily="34" charset="0"/>
-              </a:rPr>
-              <a:t>Großkunde(</a:t>
-            </a:r>
-            <a:r>
-              <a:rPr lang="de-DE" sz="1400" u="sng" dirty="0">
-                <a:latin typeface="+mj-lt"/>
                 <a:cs typeface="Calibri" panose="020F0502020204030204" pitchFamily="34" charset="0"/>
               </a:rPr>
               <a:t>Kunden-ID</a:t>
             </a:r>
             <a:r>
-              <a:rPr lang="de-DE" sz="1400" dirty="0">
-                <a:latin typeface="+mj-lt"/>
-                <a:cs typeface="Calibri" panose="020F0502020204030204" pitchFamily="34" charset="0"/>
-              </a:rPr>
-              <a:t>, </a:t>
-            </a:r>
-            <a:r>
-              <a:rPr lang="de-DE" sz="1400" dirty="0">
+              <a:rPr lang="de-DE" sz="1800" b="1" dirty="0">
+                <a:effectLst/>
                 <a:highlight>
                   <a:srgbClr val="00FF00"/>
                 </a:highlight>
-                <a:latin typeface="+mj-lt"/>
-                <a:cs typeface="Calibri" panose="020F0502020204030204" pitchFamily="34" charset="0"/>
-              </a:rPr>
-              <a:t>Vorname, Nachname</a:t>
-            </a:r>
-            <a:r>
-              <a:rPr lang="de-DE" sz="1400" dirty="0">
-                <a:latin typeface="+mj-lt"/>
-                <a:cs typeface="Calibri" panose="020F0502020204030204" pitchFamily="34" charset="0"/>
-              </a:rPr>
-              <a:t>, </a:t>
-            </a:r>
-            <a:r>
-              <a:rPr lang="de-DE" sz="1400" dirty="0">
+                <a:ea typeface="Calibri" panose="020F0502020204030204" pitchFamily="34" charset="0"/>
+                <a:cs typeface="Calibri" panose="020F0502020204030204" pitchFamily="34" charset="0"/>
+                <a:sym typeface="Wingdings" panose="05000000000000000000" pitchFamily="2" charset="2"/>
+              </a:rPr>
+              <a:t></a:t>
+            </a:r>
+            <a:r>
+              <a:rPr lang="de-DE" sz="1800" dirty="0">
                 <a:highlight>
                   <a:srgbClr val="00FF00"/>
                 </a:highlight>
-                <a:latin typeface="+mj-lt"/>
-                <a:cs typeface="Calibri" panose="020F0502020204030204" pitchFamily="34" charset="0"/>
-              </a:rPr>
-              <a:t>Ort, Straße</a:t>
-            </a:r>
-            <a:r>
-              <a:rPr lang="de-DE" sz="1400" dirty="0">
-                <a:latin typeface="+mj-lt"/>
-                <a:cs typeface="Calibri" panose="020F0502020204030204" pitchFamily="34" charset="0"/>
-              </a:rPr>
-              <a:t>, </a:t>
-            </a:r>
-            <a:r>
-              <a:rPr lang="de-DE" sz="1400" dirty="0">
-                <a:cs typeface="Calibri" panose="020F0502020204030204" pitchFamily="34" charset="0"/>
-              </a:rPr>
-              <a:t>Registrierungsdatum</a:t>
-            </a:r>
-            <a:r>
-              <a:rPr lang="de-DE" sz="1400" dirty="0">
-                <a:latin typeface="+mj-lt"/>
-                <a:cs typeface="Calibri" panose="020F0502020204030204" pitchFamily="34" charset="0"/>
-              </a:rPr>
-              <a:t>, Gesamtausgaben, Passwort)</a:t>
-            </a:r>
-          </a:p>
-          <a:p>
-            <a:pPr marL="0" indent="0">
-              <a:buNone/>
-            </a:pPr>
-            <a:endParaRPr lang="de-DE" sz="1400" dirty="0">
-              <a:latin typeface="+mj-lt"/>
-              <a:cs typeface="Calibri" panose="020F0502020204030204" pitchFamily="34" charset="0"/>
-            </a:endParaRPr>
-          </a:p>
-          <a:p>
-            <a:pPr marL="0" indent="0">
-              <a:buNone/>
-            </a:pPr>
-            <a:r>
-              <a:rPr lang="de-DE" sz="1400" dirty="0">
-                <a:latin typeface="+mj-lt"/>
-                <a:cs typeface="Calibri" panose="020F0502020204030204" pitchFamily="34" charset="0"/>
-              </a:rPr>
-              <a:t>Ware(</a:t>
-            </a:r>
-            <a:r>
-              <a:rPr lang="de-DE" sz="1400" u="sng" dirty="0">
-                <a:latin typeface="+mj-lt"/>
-                <a:cs typeface="Calibri" panose="020F0502020204030204" pitchFamily="34" charset="0"/>
-              </a:rPr>
-              <a:t>Waren-ID</a:t>
-            </a:r>
-            <a:r>
-              <a:rPr lang="de-DE" sz="1400" dirty="0">
-                <a:latin typeface="+mj-lt"/>
-                <a:cs typeface="Calibri" panose="020F0502020204030204" pitchFamily="34" charset="0"/>
-              </a:rPr>
-              <a:t>, Name, Preis, Bestand, Temperatur, Platzbedarf)</a:t>
-            </a:r>
-          </a:p>
-          <a:p>
-            <a:pPr marL="0" indent="0">
-              <a:buNone/>
-            </a:pPr>
-            <a:endParaRPr lang="de-DE" sz="1400" dirty="0">
-              <a:latin typeface="+mj-lt"/>
-              <a:cs typeface="Calibri" panose="020F0502020204030204" pitchFamily="34" charset="0"/>
-            </a:endParaRPr>
-          </a:p>
-          <a:p>
-            <a:pPr marL="0" indent="0">
-              <a:buNone/>
-            </a:pPr>
-            <a:r>
-              <a:rPr lang="de-DE" sz="1400" dirty="0">
-                <a:latin typeface="+mj-lt"/>
-                <a:cs typeface="Calibri" panose="020F0502020204030204" pitchFamily="34" charset="0"/>
-              </a:rPr>
-              <a:t>Regal(</a:t>
-            </a:r>
-            <a:r>
-              <a:rPr lang="de-DE" sz="1400" u="sng" dirty="0">
-                <a:latin typeface="+mj-lt"/>
-                <a:cs typeface="Calibri" panose="020F0502020204030204" pitchFamily="34" charset="0"/>
-              </a:rPr>
-              <a:t>Regal-ID</a:t>
-            </a:r>
-            <a:r>
-              <a:rPr lang="de-DE" sz="1400" dirty="0">
-                <a:latin typeface="+mj-lt"/>
-                <a:cs typeface="Calibri" panose="020F0502020204030204" pitchFamily="34" charset="0"/>
-              </a:rPr>
-              <a:t>, </a:t>
-            </a:r>
-            <a:r>
-              <a:rPr lang="de-DE" sz="1400" dirty="0">
+                <a:cs typeface="Calibri" panose="020F0502020204030204" pitchFamily="34" charset="0"/>
+              </a:rPr>
+              <a:t>, Waren-ID</a:t>
+            </a:r>
+            <a:r>
+              <a:rPr lang="de-DE" sz="1800" b="1" dirty="0">
+                <a:effectLst/>
                 <a:highlight>
                   <a:srgbClr val="00FF00"/>
                 </a:highlight>
-                <a:latin typeface="+mj-lt"/>
-                <a:cs typeface="Calibri" panose="020F0502020204030204" pitchFamily="34" charset="0"/>
-              </a:rPr>
-              <a:t>Reihe, Spalte</a:t>
-            </a:r>
-            <a:r>
-              <a:rPr lang="de-DE" sz="1400" dirty="0">
-                <a:latin typeface="+mj-lt"/>
-                <a:cs typeface="Calibri" panose="020F0502020204030204" pitchFamily="34" charset="0"/>
-              </a:rPr>
-              <a:t>, Kapazität, Temperatur)</a:t>
-            </a:r>
-          </a:p>
-          <a:p>
-            <a:pPr marL="0" indent="0">
-              <a:buNone/>
-            </a:pPr>
-            <a:endParaRPr lang="de-DE" sz="1400" dirty="0">
-              <a:latin typeface="+mj-lt"/>
+                <a:ea typeface="Calibri" panose="020F0502020204030204" pitchFamily="34" charset="0"/>
+                <a:cs typeface="Calibri" panose="020F0502020204030204" pitchFamily="34" charset="0"/>
+                <a:sym typeface="Wingdings" panose="05000000000000000000" pitchFamily="2" charset="2"/>
+              </a:rPr>
+              <a:t></a:t>
+            </a:r>
+            <a:r>
+              <a:rPr lang="de-DE" sz="1800" dirty="0">
+                <a:cs typeface="Calibri" panose="020F0502020204030204" pitchFamily="34" charset="0"/>
+              </a:rPr>
+              <a:t>, Menge, Bestelldatum, Abholdatum, Gesamtpreis)</a:t>
+            </a:r>
+          </a:p>
+          <a:p>
+            <a:endParaRPr lang="de-DE" sz="1800" dirty="0">
               <a:cs typeface="Calibri" panose="020F0502020204030204" pitchFamily="34" charset="0"/>
             </a:endParaRPr>
           </a:p>
@@ -5788,30 +5868,38 @@
               <a:buNone/>
             </a:pPr>
             <a:r>
-              <a:rPr lang="de-DE" sz="1400" dirty="0">
-                <a:latin typeface="+mj-lt"/>
-                <a:cs typeface="Calibri" panose="020F0502020204030204" pitchFamily="34" charset="0"/>
-              </a:rPr>
-              <a:t>bestellt(</a:t>
-            </a:r>
-            <a:r>
-              <a:rPr lang="de-DE" sz="1400" u="sng" dirty="0">
-                <a:latin typeface="+mj-lt"/>
-                <a:cs typeface="Calibri" panose="020F0502020204030204" pitchFamily="34" charset="0"/>
-              </a:rPr>
-              <a:t>Bestell-ID</a:t>
-            </a:r>
-            <a:r>
-              <a:rPr lang="de-DE" sz="1400" dirty="0">
-                <a:latin typeface="+mj-lt"/>
-                <a:cs typeface="Calibri" panose="020F0502020204030204" pitchFamily="34" charset="0"/>
-              </a:rPr>
-              <a:t>, Kunden-ID</a:t>
-            </a:r>
-            <a:r>
-              <a:rPr lang="de-DE" sz="1400" b="1" dirty="0">
+              <a:rPr lang="de-DE" sz="1800" dirty="0">
+                <a:cs typeface="Calibri" panose="020F0502020204030204" pitchFamily="34" charset="0"/>
+              </a:rPr>
+              <a:t>enthält(</a:t>
+            </a:r>
+            <a:r>
+              <a:rPr lang="de-DE" sz="1800" u="sng" dirty="0">
+                <a:cs typeface="Calibri" panose="020F0502020204030204" pitchFamily="34" charset="0"/>
+              </a:rPr>
+              <a:t>Enthält-ID</a:t>
+            </a:r>
+            <a:r>
+              <a:rPr lang="de-DE" sz="1800" dirty="0">
+                <a:cs typeface="Calibri" panose="020F0502020204030204" pitchFamily="34" charset="0"/>
+              </a:rPr>
+              <a:t>, </a:t>
+            </a:r>
+            <a:r>
+              <a:rPr lang="de-DE" sz="1800" dirty="0">
+                <a:highlight>
+                  <a:srgbClr val="00FF00"/>
+                </a:highlight>
+                <a:cs typeface="Calibri" panose="020F0502020204030204" pitchFamily="34" charset="0"/>
+              </a:rPr>
+              <a:t>Regal-ID</a:t>
+            </a:r>
+            <a:r>
+              <a:rPr lang="de-DE" sz="1800" b="1" dirty="0">
                 <a:effectLst/>
-                <a:latin typeface="+mj-lt"/>
+                <a:highlight>
+                  <a:srgbClr val="00FF00"/>
+                </a:highlight>
                 <a:ea typeface="Calibri" panose="020F0502020204030204" pitchFamily="34" charset="0"/>
                 <a:cs typeface="Calibri" panose="020F0502020204030204" pitchFamily="34" charset="0"/>
                 <a:sym typeface="Wingdings" panose="05000000000000000000" pitchFamily="2" charset="2"/>
@@ -5819,16 +5907,20 @@
               <a:t></a:t>
             </a:r>
             <a:r>
-              <a:rPr lang="de-DE" sz="1400" dirty="0">
-                <a:latin typeface="+mj-lt"/>
+              <a:rPr lang="de-DE" sz="1800" dirty="0">
+                <a:highlight>
+                  <a:srgbClr val="00FF00"/>
+                </a:highlight>
                 <a:cs typeface="Calibri" panose="020F0502020204030204" pitchFamily="34" charset="0"/>
               </a:rPr>
               <a:t>, Waren-ID</a:t>
             </a:r>
             <a:r>
-              <a:rPr lang="de-DE" sz="1400" b="1" dirty="0">
+              <a:rPr lang="de-DE" sz="1800" b="1" dirty="0">
                 <a:effectLst/>
-                <a:latin typeface="+mj-lt"/>
+                <a:highlight>
+                  <a:srgbClr val="00FF00"/>
+                </a:highlight>
                 <a:ea typeface="Calibri" panose="020F0502020204030204" pitchFamily="34" charset="0"/>
                 <a:cs typeface="Calibri" panose="020F0502020204030204" pitchFamily="34" charset="0"/>
                 <a:sym typeface="Wingdings" panose="05000000000000000000" pitchFamily="2" charset="2"/>
@@ -5836,88 +5928,21 @@
               <a:t></a:t>
             </a:r>
             <a:r>
-              <a:rPr lang="de-DE" sz="1400" dirty="0">
-                <a:latin typeface="+mj-lt"/>
-                <a:cs typeface="Calibri" panose="020F0502020204030204" pitchFamily="34" charset="0"/>
-              </a:rPr>
-              <a:t>, Menge, Bestelldatum, Abholdatum, Gesamtpreis)</a:t>
-            </a:r>
-          </a:p>
-          <a:p>
-            <a:pPr marL="0" indent="0">
-              <a:buNone/>
-            </a:pPr>
-            <a:endParaRPr lang="de-DE" sz="1400" dirty="0">
-              <a:latin typeface="+mj-lt"/>
-              <a:cs typeface="Calibri" panose="020F0502020204030204" pitchFamily="34" charset="0"/>
-            </a:endParaRPr>
-          </a:p>
-          <a:p>
-            <a:pPr marL="0" indent="0">
-              <a:buNone/>
-            </a:pPr>
-            <a:r>
-              <a:rPr lang="de-DE" sz="1400" dirty="0">
-                <a:latin typeface="+mj-lt"/>
-                <a:cs typeface="Calibri" panose="020F0502020204030204" pitchFamily="34" charset="0"/>
-              </a:rPr>
-              <a:t>enthält(</a:t>
-            </a:r>
-            <a:r>
-              <a:rPr lang="de-DE" sz="1400" u="sng" dirty="0">
-                <a:latin typeface="+mj-lt"/>
-                <a:cs typeface="Calibri" panose="020F0502020204030204" pitchFamily="34" charset="0"/>
-              </a:rPr>
-              <a:t>Enthält-ID</a:t>
-            </a:r>
-            <a:r>
-              <a:rPr lang="de-DE" sz="1400" dirty="0">
-                <a:latin typeface="+mj-lt"/>
-                <a:cs typeface="Calibri" panose="020F0502020204030204" pitchFamily="34" charset="0"/>
-              </a:rPr>
-              <a:t>, Regal-ID</a:t>
-            </a:r>
-            <a:r>
-              <a:rPr lang="de-DE" sz="1400" b="1" dirty="0">
-                <a:effectLst/>
-                <a:latin typeface="+mj-lt"/>
-                <a:ea typeface="Calibri" panose="020F0502020204030204" pitchFamily="34" charset="0"/>
-                <a:cs typeface="Calibri" panose="020F0502020204030204" pitchFamily="34" charset="0"/>
-                <a:sym typeface="Wingdings" panose="05000000000000000000" pitchFamily="2" charset="2"/>
-              </a:rPr>
-              <a:t></a:t>
-            </a:r>
-            <a:r>
-              <a:rPr lang="de-DE" sz="1400" dirty="0">
-                <a:latin typeface="+mj-lt"/>
-                <a:cs typeface="Calibri" panose="020F0502020204030204" pitchFamily="34" charset="0"/>
-              </a:rPr>
-              <a:t>, Waren-ID</a:t>
-            </a:r>
-            <a:r>
-              <a:rPr lang="de-DE" sz="1400" b="1" dirty="0">
-                <a:effectLst/>
-                <a:latin typeface="+mj-lt"/>
-                <a:ea typeface="Calibri" panose="020F0502020204030204" pitchFamily="34" charset="0"/>
-                <a:cs typeface="Calibri" panose="020F0502020204030204" pitchFamily="34" charset="0"/>
-                <a:sym typeface="Wingdings" panose="05000000000000000000" pitchFamily="2" charset="2"/>
-              </a:rPr>
-              <a:t></a:t>
-            </a:r>
-            <a:r>
-              <a:rPr lang="de-DE" sz="1400" dirty="0">
-                <a:latin typeface="+mj-lt"/>
+              <a:rPr lang="de-DE" sz="1800" dirty="0">
                 <a:cs typeface="Calibri" panose="020F0502020204030204" pitchFamily="34" charset="0"/>
               </a:rPr>
               <a:t>, Menge)</a:t>
             </a:r>
+          </a:p>
+          <a:p>
+            <a:endParaRPr lang="de-DE" dirty="0"/>
           </a:p>
         </p:txBody>
       </p:sp>
     </p:spTree>
     <p:extLst>
       <p:ext uri="{BB962C8B-B14F-4D97-AF65-F5344CB8AC3E}">
-        <p14:creationId xmlns:p14="http://schemas.microsoft.com/office/powerpoint/2010/main" val="1491273176"/>
+        <p14:creationId xmlns:p14="http://schemas.microsoft.com/office/powerpoint/2010/main" val="670011791"/>
       </p:ext>
     </p:extLst>
   </p:cSld>
@@ -5927,7 +5952,7 @@
 </p:sld>
 </file>
 
-<file path=ppt/slides/slide5.xml><?xml version="1.0" encoding="utf-8"?>
+<file path=ppt/slides/slide7.xml><?xml version="1.0" encoding="utf-8"?>
 <p:sld xmlns:a="http://schemas.openxmlformats.org/drawingml/2006/main" xmlns:r="http://schemas.openxmlformats.org/officeDocument/2006/relationships" xmlns:p="http://schemas.openxmlformats.org/presentationml/2006/main">
   <p:cSld>
     <p:spTree>
@@ -5949,7 +5974,7 @@
           <p:cNvPr id="2" name="Titel 1">
             <a:extLst>
               <a:ext uri="{FF2B5EF4-FFF2-40B4-BE49-F238E27FC236}">
-                <a16:creationId xmlns:a16="http://schemas.microsoft.com/office/drawing/2014/main" id="{015E69C2-6DE6-F4B6-1F57-59FE68B5D83A}"/>
+                <a16:creationId xmlns:a16="http://schemas.microsoft.com/office/drawing/2014/main" id="{56AD0ED2-1075-3739-6843-98275FD9D8E4}"/>
               </a:ext>
             </a:extLst>
           </p:cNvPr>
@@ -5967,28 +5992,66 @@
           <a:p>
             <a:r>
               <a:rPr lang="de-DE" dirty="0"/>
-              <a:t>Großkunde in SQL</a:t>
-            </a:r>
-          </a:p>
-        </p:txBody>
-      </p:sp>
-      <p:sp>
-        <p:nvSpPr>
-          <p:cNvPr id="3" name="Inhaltsplatzhalter 2">
-            <a:extLst>
-              <a:ext uri="{FF2B5EF4-FFF2-40B4-BE49-F238E27FC236}">
-                <a16:creationId xmlns:a16="http://schemas.microsoft.com/office/drawing/2014/main" id="{B8D49921-D955-FD45-782E-F8BCDAEF19DE}"/>
-              </a:ext>
-            </a:extLst>
-          </p:cNvPr>
-          <p:cNvSpPr>
-            <a:spLocks noGrp="1"/>
-          </p:cNvSpPr>
-          <p:nvPr>
-            <p:ph idx="1"/>
-          </p:nvPr>
-        </p:nvSpPr>
-        <p:spPr/>
+              <a:t>Normalisierung</a:t>
+            </a:r>
+          </a:p>
+        </p:txBody>
+      </p:sp>
+      <p:sp>
+        <p:nvSpPr>
+          <p:cNvPr id="3" name="Textplatzhalter 2">
+            <a:extLst>
+              <a:ext uri="{FF2B5EF4-FFF2-40B4-BE49-F238E27FC236}">
+                <a16:creationId xmlns:a16="http://schemas.microsoft.com/office/drawing/2014/main" id="{138612E4-9BD1-60F6-7281-A3310EE7A0C6}"/>
+              </a:ext>
+            </a:extLst>
+          </p:cNvPr>
+          <p:cNvSpPr>
+            <a:spLocks noGrp="1"/>
+          </p:cNvSpPr>
+          <p:nvPr>
+            <p:ph type="body" idx="1"/>
+          </p:nvPr>
+        </p:nvSpPr>
+        <p:spPr>
+          <a:xfrm>
+            <a:off x="228600" y="1319213"/>
+            <a:ext cx="5768975" cy="823912"/>
+          </a:xfrm>
+        </p:spPr>
+        <p:txBody>
+          <a:bodyPr/>
+          <a:lstStyle/>
+          <a:p>
+            <a:r>
+              <a:rPr lang="de-DE" dirty="0"/>
+              <a:t>Vorher</a:t>
+            </a:r>
+          </a:p>
+        </p:txBody>
+      </p:sp>
+      <p:sp>
+        <p:nvSpPr>
+          <p:cNvPr id="4" name="Inhaltsplatzhalter 3">
+            <a:extLst>
+              <a:ext uri="{FF2B5EF4-FFF2-40B4-BE49-F238E27FC236}">
+                <a16:creationId xmlns:a16="http://schemas.microsoft.com/office/drawing/2014/main" id="{488CEF41-77CC-8ED1-0E66-0CB054975279}"/>
+              </a:ext>
+            </a:extLst>
+          </p:cNvPr>
+          <p:cNvSpPr>
+            <a:spLocks noGrp="1"/>
+          </p:cNvSpPr>
+          <p:nvPr>
+            <p:ph sz="half" idx="2"/>
+          </p:nvPr>
+        </p:nvSpPr>
+        <p:spPr>
+          <a:xfrm>
+            <a:off x="228600" y="2422525"/>
+            <a:ext cx="5768975" cy="4073526"/>
+          </a:xfrm>
+        </p:spPr>
         <p:txBody>
           <a:bodyPr>
             <a:normAutofit/>
@@ -5999,6 +6062,797 @@
               <a:buNone/>
             </a:pPr>
             <a:r>
+              <a:rPr lang="de-DE" sz="1400" dirty="0">
+                <a:cs typeface="Calibri" panose="020F0502020204030204" pitchFamily="34" charset="0"/>
+              </a:rPr>
+              <a:t>Mitarbeiter(</a:t>
+            </a:r>
+            <a:r>
+              <a:rPr lang="de-DE" sz="1400" u="sng" dirty="0">
+                <a:cs typeface="Calibri" panose="020F0502020204030204" pitchFamily="34" charset="0"/>
+              </a:rPr>
+              <a:t>Mitarbeiter-ID</a:t>
+            </a:r>
+            <a:r>
+              <a:rPr lang="de-DE" sz="1400" dirty="0">
+                <a:cs typeface="Calibri" panose="020F0502020204030204" pitchFamily="34" charset="0"/>
+              </a:rPr>
+              <a:t>, Name, Geburtsdatum, </a:t>
+            </a:r>
+            <a:r>
+              <a:rPr lang="de-DE" sz="1400" dirty="0">
+                <a:highlight>
+                  <a:srgbClr val="FF0000"/>
+                </a:highlight>
+                <a:cs typeface="Calibri" panose="020F0502020204030204" pitchFamily="34" charset="0"/>
+              </a:rPr>
+              <a:t>Adresse</a:t>
+            </a:r>
+            <a:r>
+              <a:rPr lang="de-DE" sz="1400" dirty="0">
+                <a:cs typeface="Calibri" panose="020F0502020204030204" pitchFamily="34" charset="0"/>
+              </a:rPr>
+              <a:t>, Wochenstunden, Gehalt, Aufgabenbereich, Vorgesetzter, Passwort)</a:t>
+            </a:r>
+          </a:p>
+          <a:p>
+            <a:pPr marL="0" indent="0">
+              <a:buNone/>
+            </a:pPr>
+            <a:endParaRPr lang="de-DE" sz="1400" dirty="0">
+              <a:cs typeface="Calibri" panose="020F0502020204030204" pitchFamily="34" charset="0"/>
+            </a:endParaRPr>
+          </a:p>
+          <a:p>
+            <a:pPr marL="0" indent="0">
+              <a:buNone/>
+            </a:pPr>
+            <a:r>
+              <a:rPr lang="de-DE" sz="1400" dirty="0">
+                <a:cs typeface="Calibri" panose="020F0502020204030204" pitchFamily="34" charset="0"/>
+              </a:rPr>
+              <a:t>Großkunde(</a:t>
+            </a:r>
+            <a:r>
+              <a:rPr lang="de-DE" sz="1400" u="sng" dirty="0">
+                <a:cs typeface="Calibri" panose="020F0502020204030204" pitchFamily="34" charset="0"/>
+              </a:rPr>
+              <a:t>Kunden-ID</a:t>
+            </a:r>
+            <a:r>
+              <a:rPr lang="de-DE" sz="1400" dirty="0">
+                <a:cs typeface="Calibri" panose="020F0502020204030204" pitchFamily="34" charset="0"/>
+              </a:rPr>
+              <a:t>, </a:t>
+            </a:r>
+            <a:r>
+              <a:rPr lang="de-DE" sz="1400" dirty="0">
+                <a:highlight>
+                  <a:srgbClr val="FF0000"/>
+                </a:highlight>
+                <a:cs typeface="Calibri" panose="020F0502020204030204" pitchFamily="34" charset="0"/>
+              </a:rPr>
+              <a:t>Name</a:t>
+            </a:r>
+            <a:r>
+              <a:rPr lang="de-DE" sz="1400" dirty="0">
+                <a:cs typeface="Calibri" panose="020F0502020204030204" pitchFamily="34" charset="0"/>
+              </a:rPr>
+              <a:t>, </a:t>
+            </a:r>
+            <a:r>
+              <a:rPr lang="de-DE" sz="1400" dirty="0">
+                <a:highlight>
+                  <a:srgbClr val="FF0000"/>
+                </a:highlight>
+                <a:cs typeface="Calibri" panose="020F0502020204030204" pitchFamily="34" charset="0"/>
+              </a:rPr>
+              <a:t>Adresse</a:t>
+            </a:r>
+            <a:r>
+              <a:rPr lang="de-DE" sz="1400" dirty="0">
+                <a:cs typeface="Calibri" panose="020F0502020204030204" pitchFamily="34" charset="0"/>
+              </a:rPr>
+              <a:t>, Registrierungsdatum, Gesamtausgaben, Passwort)</a:t>
+            </a:r>
+          </a:p>
+          <a:p>
+            <a:pPr marL="0" indent="0">
+              <a:buNone/>
+            </a:pPr>
+            <a:endParaRPr lang="de-DE" sz="1400" dirty="0">
+              <a:cs typeface="Calibri" panose="020F0502020204030204" pitchFamily="34" charset="0"/>
+            </a:endParaRPr>
+          </a:p>
+          <a:p>
+            <a:pPr marL="0" indent="0">
+              <a:buNone/>
+            </a:pPr>
+            <a:r>
+              <a:rPr lang="de-DE" sz="1400" dirty="0">
+                <a:cs typeface="Calibri" panose="020F0502020204030204" pitchFamily="34" charset="0"/>
+              </a:rPr>
+              <a:t>Ware(</a:t>
+            </a:r>
+            <a:r>
+              <a:rPr lang="de-DE" sz="1400" u="sng" dirty="0">
+                <a:cs typeface="Calibri" panose="020F0502020204030204" pitchFamily="34" charset="0"/>
+              </a:rPr>
+              <a:t>Waren-ID</a:t>
+            </a:r>
+            <a:r>
+              <a:rPr lang="de-DE" sz="1400" dirty="0">
+                <a:cs typeface="Calibri" panose="020F0502020204030204" pitchFamily="34" charset="0"/>
+              </a:rPr>
+              <a:t>, Name, Preis, Bestand, Temperatur, Platzbedarf)</a:t>
+            </a:r>
+          </a:p>
+          <a:p>
+            <a:pPr marL="0" indent="0">
+              <a:buNone/>
+            </a:pPr>
+            <a:endParaRPr lang="de-DE" sz="1400" dirty="0">
+              <a:cs typeface="Calibri" panose="020F0502020204030204" pitchFamily="34" charset="0"/>
+            </a:endParaRPr>
+          </a:p>
+          <a:p>
+            <a:pPr marL="0" indent="0">
+              <a:buNone/>
+            </a:pPr>
+            <a:r>
+              <a:rPr lang="de-DE" sz="1400" dirty="0">
+                <a:cs typeface="Calibri" panose="020F0502020204030204" pitchFamily="34" charset="0"/>
+              </a:rPr>
+              <a:t>Regal(</a:t>
+            </a:r>
+            <a:r>
+              <a:rPr lang="de-DE" sz="1400" u="sng" dirty="0">
+                <a:cs typeface="Calibri" panose="020F0502020204030204" pitchFamily="34" charset="0"/>
+              </a:rPr>
+              <a:t>Regal-ID</a:t>
+            </a:r>
+            <a:r>
+              <a:rPr lang="de-DE" sz="1400" dirty="0">
+                <a:cs typeface="Calibri" panose="020F0502020204030204" pitchFamily="34" charset="0"/>
+              </a:rPr>
+              <a:t>, </a:t>
+            </a:r>
+            <a:r>
+              <a:rPr lang="de-DE" sz="1400" dirty="0">
+                <a:highlight>
+                  <a:srgbClr val="FF0000"/>
+                </a:highlight>
+                <a:cs typeface="Calibri" panose="020F0502020204030204" pitchFamily="34" charset="0"/>
+              </a:rPr>
+              <a:t>Position</a:t>
+            </a:r>
+            <a:r>
+              <a:rPr lang="de-DE" sz="1400" dirty="0">
+                <a:cs typeface="Calibri" panose="020F0502020204030204" pitchFamily="34" charset="0"/>
+              </a:rPr>
+              <a:t>, Kapazität, Temperatur)</a:t>
+            </a:r>
+          </a:p>
+          <a:p>
+            <a:pPr marL="0" indent="0">
+              <a:buNone/>
+            </a:pPr>
+            <a:endParaRPr lang="de-DE" sz="1400" dirty="0">
+              <a:cs typeface="Calibri" panose="020F0502020204030204" pitchFamily="34" charset="0"/>
+            </a:endParaRPr>
+          </a:p>
+          <a:p>
+            <a:pPr marL="0" indent="0">
+              <a:buNone/>
+            </a:pPr>
+            <a:r>
+              <a:rPr lang="de-DE" sz="1400" dirty="0">
+                <a:cs typeface="Calibri" panose="020F0502020204030204" pitchFamily="34" charset="0"/>
+              </a:rPr>
+              <a:t>bestellt(</a:t>
+            </a:r>
+            <a:r>
+              <a:rPr lang="de-DE" sz="1400" u="sng" dirty="0">
+                <a:cs typeface="Calibri" panose="020F0502020204030204" pitchFamily="34" charset="0"/>
+              </a:rPr>
+              <a:t>Bestell-ID</a:t>
+            </a:r>
+            <a:r>
+              <a:rPr lang="de-DE" sz="1400" dirty="0">
+                <a:cs typeface="Calibri" panose="020F0502020204030204" pitchFamily="34" charset="0"/>
+              </a:rPr>
+              <a:t>, Kunden-ID</a:t>
+            </a:r>
+            <a:r>
+              <a:rPr lang="de-DE" sz="1400" b="1" dirty="0">
+                <a:effectLst/>
+                <a:ea typeface="Calibri" panose="020F0502020204030204" pitchFamily="34" charset="0"/>
+                <a:cs typeface="Calibri" panose="020F0502020204030204" pitchFamily="34" charset="0"/>
+                <a:sym typeface="Wingdings" panose="05000000000000000000" pitchFamily="2" charset="2"/>
+              </a:rPr>
+              <a:t></a:t>
+            </a:r>
+            <a:r>
+              <a:rPr lang="de-DE" sz="1400" dirty="0">
+                <a:cs typeface="Calibri" panose="020F0502020204030204" pitchFamily="34" charset="0"/>
+              </a:rPr>
+              <a:t>, Waren-ID</a:t>
+            </a:r>
+            <a:r>
+              <a:rPr lang="de-DE" sz="1400" b="1" dirty="0">
+                <a:effectLst/>
+                <a:ea typeface="Calibri" panose="020F0502020204030204" pitchFamily="34" charset="0"/>
+                <a:cs typeface="Calibri" panose="020F0502020204030204" pitchFamily="34" charset="0"/>
+                <a:sym typeface="Wingdings" panose="05000000000000000000" pitchFamily="2" charset="2"/>
+              </a:rPr>
+              <a:t></a:t>
+            </a:r>
+            <a:r>
+              <a:rPr lang="de-DE" sz="1400" dirty="0">
+                <a:cs typeface="Calibri" panose="020F0502020204030204" pitchFamily="34" charset="0"/>
+              </a:rPr>
+              <a:t>, Menge, Bestelldatum, Abholdatum, Gesamtpreis)</a:t>
+            </a:r>
+          </a:p>
+          <a:p>
+            <a:pPr marL="0" indent="0">
+              <a:buNone/>
+            </a:pPr>
+            <a:endParaRPr lang="de-DE" sz="1400" dirty="0">
+              <a:cs typeface="Calibri" panose="020F0502020204030204" pitchFamily="34" charset="0"/>
+            </a:endParaRPr>
+          </a:p>
+          <a:p>
+            <a:pPr marL="0" indent="0">
+              <a:buNone/>
+            </a:pPr>
+            <a:r>
+              <a:rPr lang="de-DE" sz="1400" dirty="0">
+                <a:cs typeface="Calibri" panose="020F0502020204030204" pitchFamily="34" charset="0"/>
+              </a:rPr>
+              <a:t>enthält(</a:t>
+            </a:r>
+            <a:r>
+              <a:rPr lang="de-DE" sz="1400" u="sng" dirty="0">
+                <a:cs typeface="Calibri" panose="020F0502020204030204" pitchFamily="34" charset="0"/>
+              </a:rPr>
+              <a:t>Enthält-ID</a:t>
+            </a:r>
+            <a:r>
+              <a:rPr lang="de-DE" sz="1400" dirty="0">
+                <a:cs typeface="Calibri" panose="020F0502020204030204" pitchFamily="34" charset="0"/>
+              </a:rPr>
+              <a:t>, Regal-ID</a:t>
+            </a:r>
+            <a:r>
+              <a:rPr lang="de-DE" sz="1400" b="1" dirty="0">
+                <a:effectLst/>
+                <a:ea typeface="Calibri" panose="020F0502020204030204" pitchFamily="34" charset="0"/>
+                <a:cs typeface="Calibri" panose="020F0502020204030204" pitchFamily="34" charset="0"/>
+                <a:sym typeface="Wingdings" panose="05000000000000000000" pitchFamily="2" charset="2"/>
+              </a:rPr>
+              <a:t></a:t>
+            </a:r>
+            <a:r>
+              <a:rPr lang="de-DE" sz="1400" dirty="0">
+                <a:cs typeface="Calibri" panose="020F0502020204030204" pitchFamily="34" charset="0"/>
+              </a:rPr>
+              <a:t>, Waren-ID</a:t>
+            </a:r>
+            <a:r>
+              <a:rPr lang="de-DE" sz="1400" b="1" dirty="0">
+                <a:effectLst/>
+                <a:ea typeface="Calibri" panose="020F0502020204030204" pitchFamily="34" charset="0"/>
+                <a:cs typeface="Calibri" panose="020F0502020204030204" pitchFamily="34" charset="0"/>
+                <a:sym typeface="Wingdings" panose="05000000000000000000" pitchFamily="2" charset="2"/>
+              </a:rPr>
+              <a:t></a:t>
+            </a:r>
+            <a:r>
+              <a:rPr lang="de-DE" sz="1400" dirty="0">
+                <a:cs typeface="Calibri" panose="020F0502020204030204" pitchFamily="34" charset="0"/>
+              </a:rPr>
+              <a:t>, Menge)</a:t>
+            </a:r>
+          </a:p>
+        </p:txBody>
+      </p:sp>
+      <p:sp>
+        <p:nvSpPr>
+          <p:cNvPr id="5" name="Textplatzhalter 4">
+            <a:extLst>
+              <a:ext uri="{FF2B5EF4-FFF2-40B4-BE49-F238E27FC236}">
+                <a16:creationId xmlns:a16="http://schemas.microsoft.com/office/drawing/2014/main" id="{4AB0B7F4-306E-25A0-6220-2936A86564B0}"/>
+              </a:ext>
+            </a:extLst>
+          </p:cNvPr>
+          <p:cNvSpPr>
+            <a:spLocks noGrp="1"/>
+          </p:cNvSpPr>
+          <p:nvPr>
+            <p:ph type="body" sz="quarter" idx="3"/>
+          </p:nvPr>
+        </p:nvSpPr>
+        <p:spPr>
+          <a:xfrm>
+            <a:off x="6172198" y="1319213"/>
+            <a:ext cx="5768975" cy="823912"/>
+          </a:xfrm>
+        </p:spPr>
+        <p:txBody>
+          <a:bodyPr/>
+          <a:lstStyle/>
+          <a:p>
+            <a:r>
+              <a:rPr lang="de-DE" dirty="0"/>
+              <a:t>Nachher</a:t>
+            </a:r>
+          </a:p>
+        </p:txBody>
+      </p:sp>
+      <p:sp>
+        <p:nvSpPr>
+          <p:cNvPr id="6" name="Inhaltsplatzhalter 5">
+            <a:extLst>
+              <a:ext uri="{FF2B5EF4-FFF2-40B4-BE49-F238E27FC236}">
+                <a16:creationId xmlns:a16="http://schemas.microsoft.com/office/drawing/2014/main" id="{67678D93-632B-9F84-FE69-A9D10C9042C1}"/>
+              </a:ext>
+            </a:extLst>
+          </p:cNvPr>
+          <p:cNvSpPr>
+            <a:spLocks noGrp="1"/>
+          </p:cNvSpPr>
+          <p:nvPr>
+            <p:ph sz="quarter" idx="4"/>
+          </p:nvPr>
+        </p:nvSpPr>
+        <p:spPr>
+          <a:xfrm>
+            <a:off x="6172199" y="2422525"/>
+            <a:ext cx="5768975" cy="4073526"/>
+          </a:xfrm>
+        </p:spPr>
+        <p:txBody>
+          <a:bodyPr>
+            <a:normAutofit/>
+          </a:bodyPr>
+          <a:lstStyle/>
+          <a:p>
+            <a:pPr marL="0" indent="0">
+              <a:buNone/>
+            </a:pPr>
+            <a:r>
+              <a:rPr lang="de-DE" sz="1400" dirty="0">
+                <a:latin typeface="+mj-lt"/>
+                <a:cs typeface="Calibri" panose="020F0502020204030204" pitchFamily="34" charset="0"/>
+              </a:rPr>
+              <a:t>Mitarbeiter(</a:t>
+            </a:r>
+            <a:r>
+              <a:rPr lang="de-DE" sz="1400" u="sng" dirty="0">
+                <a:cs typeface="Calibri" panose="020F0502020204030204" pitchFamily="34" charset="0"/>
+              </a:rPr>
+              <a:t>Mitarbeiter-ID</a:t>
+            </a:r>
+            <a:r>
+              <a:rPr lang="de-DE" sz="1400" dirty="0">
+                <a:latin typeface="+mj-lt"/>
+                <a:cs typeface="Calibri" panose="020F0502020204030204" pitchFamily="34" charset="0"/>
+              </a:rPr>
+              <a:t>, Name, Geburtsdatum, </a:t>
+            </a:r>
+            <a:r>
+              <a:rPr lang="de-DE" sz="1400" dirty="0">
+                <a:highlight>
+                  <a:srgbClr val="00FF00"/>
+                </a:highlight>
+                <a:latin typeface="+mj-lt"/>
+                <a:cs typeface="Calibri" panose="020F0502020204030204" pitchFamily="34" charset="0"/>
+              </a:rPr>
+              <a:t>Ort, Straße</a:t>
+            </a:r>
+            <a:r>
+              <a:rPr lang="de-DE" sz="1400" dirty="0">
+                <a:latin typeface="+mj-lt"/>
+                <a:cs typeface="Calibri" panose="020F0502020204030204" pitchFamily="34" charset="0"/>
+              </a:rPr>
+              <a:t>, Wochenstunden, Gehalt, Aufgabenbereich, Vorgesetzter, Passwort)</a:t>
+            </a:r>
+          </a:p>
+          <a:p>
+            <a:pPr marL="0" indent="0">
+              <a:buNone/>
+            </a:pPr>
+            <a:endParaRPr lang="de-DE" sz="1400" dirty="0">
+              <a:latin typeface="+mj-lt"/>
+              <a:cs typeface="Calibri" panose="020F0502020204030204" pitchFamily="34" charset="0"/>
+            </a:endParaRPr>
+          </a:p>
+          <a:p>
+            <a:pPr marL="0" indent="0">
+              <a:buNone/>
+            </a:pPr>
+            <a:r>
+              <a:rPr lang="de-DE" sz="1400" dirty="0">
+                <a:latin typeface="+mj-lt"/>
+                <a:cs typeface="Calibri" panose="020F0502020204030204" pitchFamily="34" charset="0"/>
+              </a:rPr>
+              <a:t>Großkunde(</a:t>
+            </a:r>
+            <a:r>
+              <a:rPr lang="de-DE" sz="1400" u="sng" dirty="0">
+                <a:latin typeface="+mj-lt"/>
+                <a:cs typeface="Calibri" panose="020F0502020204030204" pitchFamily="34" charset="0"/>
+              </a:rPr>
+              <a:t>Kunden-ID</a:t>
+            </a:r>
+            <a:r>
+              <a:rPr lang="de-DE" sz="1400" dirty="0">
+                <a:latin typeface="+mj-lt"/>
+                <a:cs typeface="Calibri" panose="020F0502020204030204" pitchFamily="34" charset="0"/>
+              </a:rPr>
+              <a:t>, </a:t>
+            </a:r>
+            <a:r>
+              <a:rPr lang="de-DE" sz="1400" dirty="0">
+                <a:highlight>
+                  <a:srgbClr val="00FF00"/>
+                </a:highlight>
+                <a:latin typeface="+mj-lt"/>
+                <a:cs typeface="Calibri" panose="020F0502020204030204" pitchFamily="34" charset="0"/>
+              </a:rPr>
+              <a:t>Vorname, Nachname</a:t>
+            </a:r>
+            <a:r>
+              <a:rPr lang="de-DE" sz="1400" dirty="0">
+                <a:latin typeface="+mj-lt"/>
+                <a:cs typeface="Calibri" panose="020F0502020204030204" pitchFamily="34" charset="0"/>
+              </a:rPr>
+              <a:t>, </a:t>
+            </a:r>
+            <a:r>
+              <a:rPr lang="de-DE" sz="1400" dirty="0">
+                <a:highlight>
+                  <a:srgbClr val="00FF00"/>
+                </a:highlight>
+                <a:latin typeface="+mj-lt"/>
+                <a:cs typeface="Calibri" panose="020F0502020204030204" pitchFamily="34" charset="0"/>
+              </a:rPr>
+              <a:t>Ort, Straße</a:t>
+            </a:r>
+            <a:r>
+              <a:rPr lang="de-DE" sz="1400" dirty="0">
+                <a:latin typeface="+mj-lt"/>
+                <a:cs typeface="Calibri" panose="020F0502020204030204" pitchFamily="34" charset="0"/>
+              </a:rPr>
+              <a:t>, </a:t>
+            </a:r>
+            <a:r>
+              <a:rPr lang="de-DE" sz="1400" dirty="0">
+                <a:cs typeface="Calibri" panose="020F0502020204030204" pitchFamily="34" charset="0"/>
+              </a:rPr>
+              <a:t>Registrierungsdatum</a:t>
+            </a:r>
+            <a:r>
+              <a:rPr lang="de-DE" sz="1400" dirty="0">
+                <a:latin typeface="+mj-lt"/>
+                <a:cs typeface="Calibri" panose="020F0502020204030204" pitchFamily="34" charset="0"/>
+              </a:rPr>
+              <a:t>, Gesamtausgaben, Passwort)</a:t>
+            </a:r>
+          </a:p>
+          <a:p>
+            <a:pPr marL="0" indent="0">
+              <a:buNone/>
+            </a:pPr>
+            <a:endParaRPr lang="de-DE" sz="1400" dirty="0">
+              <a:latin typeface="+mj-lt"/>
+              <a:cs typeface="Calibri" panose="020F0502020204030204" pitchFamily="34" charset="0"/>
+            </a:endParaRPr>
+          </a:p>
+          <a:p>
+            <a:pPr marL="0" indent="0">
+              <a:buNone/>
+            </a:pPr>
+            <a:r>
+              <a:rPr lang="de-DE" sz="1400" dirty="0">
+                <a:latin typeface="+mj-lt"/>
+                <a:cs typeface="Calibri" panose="020F0502020204030204" pitchFamily="34" charset="0"/>
+              </a:rPr>
+              <a:t>Ware(</a:t>
+            </a:r>
+            <a:r>
+              <a:rPr lang="de-DE" sz="1400" u="sng" dirty="0">
+                <a:latin typeface="+mj-lt"/>
+                <a:cs typeface="Calibri" panose="020F0502020204030204" pitchFamily="34" charset="0"/>
+              </a:rPr>
+              <a:t>Waren-ID</a:t>
+            </a:r>
+            <a:r>
+              <a:rPr lang="de-DE" sz="1400" dirty="0">
+                <a:latin typeface="+mj-lt"/>
+                <a:cs typeface="Calibri" panose="020F0502020204030204" pitchFamily="34" charset="0"/>
+              </a:rPr>
+              <a:t>, Name, Preis, Bestand, Temperatur, Platzbedarf)</a:t>
+            </a:r>
+          </a:p>
+          <a:p>
+            <a:pPr marL="0" indent="0">
+              <a:buNone/>
+            </a:pPr>
+            <a:endParaRPr lang="de-DE" sz="1400" dirty="0">
+              <a:latin typeface="+mj-lt"/>
+              <a:cs typeface="Calibri" panose="020F0502020204030204" pitchFamily="34" charset="0"/>
+            </a:endParaRPr>
+          </a:p>
+          <a:p>
+            <a:pPr marL="0" indent="0">
+              <a:buNone/>
+            </a:pPr>
+            <a:r>
+              <a:rPr lang="de-DE" sz="1400" dirty="0">
+                <a:latin typeface="+mj-lt"/>
+                <a:cs typeface="Calibri" panose="020F0502020204030204" pitchFamily="34" charset="0"/>
+              </a:rPr>
+              <a:t>Regal(</a:t>
+            </a:r>
+            <a:r>
+              <a:rPr lang="de-DE" sz="1400" u="sng" dirty="0">
+                <a:latin typeface="+mj-lt"/>
+                <a:cs typeface="Calibri" panose="020F0502020204030204" pitchFamily="34" charset="0"/>
+              </a:rPr>
+              <a:t>Regal-ID</a:t>
+            </a:r>
+            <a:r>
+              <a:rPr lang="de-DE" sz="1400" dirty="0">
+                <a:latin typeface="+mj-lt"/>
+                <a:cs typeface="Calibri" panose="020F0502020204030204" pitchFamily="34" charset="0"/>
+              </a:rPr>
+              <a:t>, </a:t>
+            </a:r>
+            <a:r>
+              <a:rPr lang="de-DE" sz="1400" dirty="0">
+                <a:highlight>
+                  <a:srgbClr val="00FF00"/>
+                </a:highlight>
+                <a:latin typeface="+mj-lt"/>
+                <a:cs typeface="Calibri" panose="020F0502020204030204" pitchFamily="34" charset="0"/>
+              </a:rPr>
+              <a:t>Reihe, Spalte</a:t>
+            </a:r>
+            <a:r>
+              <a:rPr lang="de-DE" sz="1400" dirty="0">
+                <a:latin typeface="+mj-lt"/>
+                <a:cs typeface="Calibri" panose="020F0502020204030204" pitchFamily="34" charset="0"/>
+              </a:rPr>
+              <a:t>, Kapazität, Temperatur)</a:t>
+            </a:r>
+          </a:p>
+          <a:p>
+            <a:pPr marL="0" indent="0">
+              <a:buNone/>
+            </a:pPr>
+            <a:endParaRPr lang="de-DE" sz="1400" dirty="0">
+              <a:latin typeface="+mj-lt"/>
+              <a:cs typeface="Calibri" panose="020F0502020204030204" pitchFamily="34" charset="0"/>
+            </a:endParaRPr>
+          </a:p>
+          <a:p>
+            <a:pPr marL="0" indent="0">
+              <a:buNone/>
+            </a:pPr>
+            <a:r>
+              <a:rPr lang="de-DE" sz="1400" dirty="0">
+                <a:latin typeface="+mj-lt"/>
+                <a:cs typeface="Calibri" panose="020F0502020204030204" pitchFamily="34" charset="0"/>
+              </a:rPr>
+              <a:t>bestellt(</a:t>
+            </a:r>
+            <a:r>
+              <a:rPr lang="de-DE" sz="1400" u="sng" dirty="0">
+                <a:latin typeface="+mj-lt"/>
+                <a:cs typeface="Calibri" panose="020F0502020204030204" pitchFamily="34" charset="0"/>
+              </a:rPr>
+              <a:t>Bestell-ID</a:t>
+            </a:r>
+            <a:r>
+              <a:rPr lang="de-DE" sz="1400" dirty="0">
+                <a:latin typeface="+mj-lt"/>
+                <a:cs typeface="Calibri" panose="020F0502020204030204" pitchFamily="34" charset="0"/>
+              </a:rPr>
+              <a:t>, Kunden-ID</a:t>
+            </a:r>
+            <a:r>
+              <a:rPr lang="de-DE" sz="1400" b="1" dirty="0">
+                <a:effectLst/>
+                <a:latin typeface="+mj-lt"/>
+                <a:ea typeface="Calibri" panose="020F0502020204030204" pitchFamily="34" charset="0"/>
+                <a:cs typeface="Calibri" panose="020F0502020204030204" pitchFamily="34" charset="0"/>
+                <a:sym typeface="Wingdings" panose="05000000000000000000" pitchFamily="2" charset="2"/>
+              </a:rPr>
+              <a:t></a:t>
+            </a:r>
+            <a:r>
+              <a:rPr lang="de-DE" sz="1400" dirty="0">
+                <a:latin typeface="+mj-lt"/>
+                <a:cs typeface="Calibri" panose="020F0502020204030204" pitchFamily="34" charset="0"/>
+              </a:rPr>
+              <a:t>, Waren-ID</a:t>
+            </a:r>
+            <a:r>
+              <a:rPr lang="de-DE" sz="1400" b="1" dirty="0">
+                <a:effectLst/>
+                <a:latin typeface="+mj-lt"/>
+                <a:ea typeface="Calibri" panose="020F0502020204030204" pitchFamily="34" charset="0"/>
+                <a:cs typeface="Calibri" panose="020F0502020204030204" pitchFamily="34" charset="0"/>
+                <a:sym typeface="Wingdings" panose="05000000000000000000" pitchFamily="2" charset="2"/>
+              </a:rPr>
+              <a:t></a:t>
+            </a:r>
+            <a:r>
+              <a:rPr lang="de-DE" sz="1400" dirty="0">
+                <a:latin typeface="+mj-lt"/>
+                <a:cs typeface="Calibri" panose="020F0502020204030204" pitchFamily="34" charset="0"/>
+              </a:rPr>
+              <a:t>, Menge, Bestelldatum, Abholdatum, Gesamtpreis)</a:t>
+            </a:r>
+          </a:p>
+          <a:p>
+            <a:pPr marL="0" indent="0">
+              <a:buNone/>
+            </a:pPr>
+            <a:endParaRPr lang="de-DE" sz="1400" dirty="0">
+              <a:latin typeface="+mj-lt"/>
+              <a:cs typeface="Calibri" panose="020F0502020204030204" pitchFamily="34" charset="0"/>
+            </a:endParaRPr>
+          </a:p>
+          <a:p>
+            <a:pPr marL="0" indent="0">
+              <a:buNone/>
+            </a:pPr>
+            <a:r>
+              <a:rPr lang="de-DE" sz="1400" dirty="0">
+                <a:latin typeface="+mj-lt"/>
+                <a:cs typeface="Calibri" panose="020F0502020204030204" pitchFamily="34" charset="0"/>
+              </a:rPr>
+              <a:t>enthält(</a:t>
+            </a:r>
+            <a:r>
+              <a:rPr lang="de-DE" sz="1400" u="sng" dirty="0">
+                <a:latin typeface="+mj-lt"/>
+                <a:cs typeface="Calibri" panose="020F0502020204030204" pitchFamily="34" charset="0"/>
+              </a:rPr>
+              <a:t>Enthält-ID</a:t>
+            </a:r>
+            <a:r>
+              <a:rPr lang="de-DE" sz="1400" dirty="0">
+                <a:latin typeface="+mj-lt"/>
+                <a:cs typeface="Calibri" panose="020F0502020204030204" pitchFamily="34" charset="0"/>
+              </a:rPr>
+              <a:t>, Regal-ID</a:t>
+            </a:r>
+            <a:r>
+              <a:rPr lang="de-DE" sz="1400" b="1" dirty="0">
+                <a:effectLst/>
+                <a:latin typeface="+mj-lt"/>
+                <a:ea typeface="Calibri" panose="020F0502020204030204" pitchFamily="34" charset="0"/>
+                <a:cs typeface="Calibri" panose="020F0502020204030204" pitchFamily="34" charset="0"/>
+                <a:sym typeface="Wingdings" panose="05000000000000000000" pitchFamily="2" charset="2"/>
+              </a:rPr>
+              <a:t></a:t>
+            </a:r>
+            <a:r>
+              <a:rPr lang="de-DE" sz="1400" dirty="0">
+                <a:latin typeface="+mj-lt"/>
+                <a:cs typeface="Calibri" panose="020F0502020204030204" pitchFamily="34" charset="0"/>
+              </a:rPr>
+              <a:t>, Waren-ID</a:t>
+            </a:r>
+            <a:r>
+              <a:rPr lang="de-DE" sz="1400" b="1" dirty="0">
+                <a:effectLst/>
+                <a:latin typeface="+mj-lt"/>
+                <a:ea typeface="Calibri" panose="020F0502020204030204" pitchFamily="34" charset="0"/>
+                <a:cs typeface="Calibri" panose="020F0502020204030204" pitchFamily="34" charset="0"/>
+                <a:sym typeface="Wingdings" panose="05000000000000000000" pitchFamily="2" charset="2"/>
+              </a:rPr>
+              <a:t></a:t>
+            </a:r>
+            <a:r>
+              <a:rPr lang="de-DE" sz="1400" dirty="0">
+                <a:latin typeface="+mj-lt"/>
+                <a:cs typeface="Calibri" panose="020F0502020204030204" pitchFamily="34" charset="0"/>
+              </a:rPr>
+              <a:t>, Menge)</a:t>
+            </a:r>
+          </a:p>
+        </p:txBody>
+      </p:sp>
+    </p:spTree>
+    <p:extLst>
+      <p:ext uri="{BB962C8B-B14F-4D97-AF65-F5344CB8AC3E}">
+        <p14:creationId xmlns:p14="http://schemas.microsoft.com/office/powerpoint/2010/main" val="1491273176"/>
+      </p:ext>
+    </p:extLst>
+  </p:cSld>
+  <p:clrMapOvr>
+    <a:masterClrMapping/>
+  </p:clrMapOvr>
+</p:sld>
+</file>
+
+<file path=ppt/slides/slide8.xml><?xml version="1.0" encoding="utf-8"?>
+<p:sld xmlns:a="http://schemas.openxmlformats.org/drawingml/2006/main" xmlns:r="http://schemas.openxmlformats.org/officeDocument/2006/relationships" xmlns:p="http://schemas.openxmlformats.org/presentationml/2006/main">
+  <p:cSld>
+    <p:spTree>
+      <p:nvGrpSpPr>
+        <p:cNvPr id="1" name=""/>
+        <p:cNvGrpSpPr/>
+        <p:nvPr/>
+      </p:nvGrpSpPr>
+      <p:grpSpPr>
+        <a:xfrm>
+          <a:off x="0" y="0"/>
+          <a:ext cx="0" cy="0"/>
+          <a:chOff x="0" y="0"/>
+          <a:chExt cx="0" cy="0"/>
+        </a:xfrm>
+      </p:grpSpPr>
+      <p:sp>
+        <p:nvSpPr>
+          <p:cNvPr id="2" name="Titel 1">
+            <a:extLst>
+              <a:ext uri="{FF2B5EF4-FFF2-40B4-BE49-F238E27FC236}">
+                <a16:creationId xmlns:a16="http://schemas.microsoft.com/office/drawing/2014/main" id="{015E69C2-6DE6-F4B6-1F57-59FE68B5D83A}"/>
+              </a:ext>
+            </a:extLst>
+          </p:cNvPr>
+          <p:cNvSpPr>
+            <a:spLocks noGrp="1"/>
+          </p:cNvSpPr>
+          <p:nvPr>
+            <p:ph type="title"/>
+          </p:nvPr>
+        </p:nvSpPr>
+        <p:spPr/>
+        <p:txBody>
+          <a:bodyPr/>
+          <a:lstStyle/>
+          <a:p>
+            <a:r>
+              <a:rPr lang="de-DE" dirty="0"/>
+              <a:t>Großkunde in SQL</a:t>
+            </a:r>
+          </a:p>
+        </p:txBody>
+      </p:sp>
+      <p:sp>
+        <p:nvSpPr>
+          <p:cNvPr id="3" name="Inhaltsplatzhalter 2">
+            <a:extLst>
+              <a:ext uri="{FF2B5EF4-FFF2-40B4-BE49-F238E27FC236}">
+                <a16:creationId xmlns:a16="http://schemas.microsoft.com/office/drawing/2014/main" id="{B8D49921-D955-FD45-782E-F8BCDAEF19DE}"/>
+              </a:ext>
+            </a:extLst>
+          </p:cNvPr>
+          <p:cNvSpPr>
+            <a:spLocks noGrp="1"/>
+          </p:cNvSpPr>
+          <p:nvPr>
+            <p:ph idx="1"/>
+          </p:nvPr>
+        </p:nvSpPr>
+        <p:spPr/>
+        <p:txBody>
+          <a:bodyPr>
+            <a:normAutofit/>
+          </a:bodyPr>
+          <a:lstStyle/>
+          <a:p>
+            <a:pPr marL="0" indent="0">
+              <a:buNone/>
+            </a:pPr>
+            <a:r>
               <a:rPr lang="de-DE" sz="1300" dirty="0"/>
               <a:t>CREATE TABLE "Großkunde" (</a:t>
             </a:r>
@@ -6009,7 +6863,7 @@
             </a:pPr>
             <a:r>
               <a:rPr lang="de-DE" sz="1300" dirty="0"/>
-              <a:t>	"Kunden-ID"	INTEGER,</a:t>
+              <a:t>	"Kunden-ID„		INTEGER,</a:t>
             </a:r>
           </a:p>
           <a:p>
@@ -6018,7 +6872,7 @@
             </a:pPr>
             <a:r>
               <a:rPr lang="de-DE" sz="1300" dirty="0"/>
-              <a:t>	"Name"	TEXT NOT NULL,</a:t>
+              <a:t>	"Name"		TEXT NOT NULL,</a:t>
             </a:r>
           </a:p>
           <a:p>
@@ -6027,7 +6881,7 @@
             </a:pPr>
             <a:r>
               <a:rPr lang="de-DE" sz="1300" dirty="0"/>
-              <a:t>	"Ort"	TEXT NOT NULL,</a:t>
+              <a:t>	"Ort"		TEXT NOT NULL,</a:t>
             </a:r>
           </a:p>
           <a:p>
@@ -6036,7 +6890,7 @@
             </a:pPr>
             <a:r>
               <a:rPr lang="de-DE" sz="1300" dirty="0"/>
-              <a:t>	"Straße"	TEXT NOT NULL,</a:t>
+              <a:t>	"Straße"		TEXT NOT NULL,</a:t>
             </a:r>
           </a:p>
           <a:p>
@@ -6063,7 +6917,7 @@
             </a:pPr>
             <a:r>
               <a:rPr lang="de-DE" sz="1300" dirty="0"/>
-              <a:t>	"Passwort"	INTEGER NOT NULL,</a:t>
+              <a:t>	"Passwort"		INTEGER NOT NULL,</a:t>
             </a:r>
           </a:p>
           <a:p>
@@ -6099,7 +6953,7 @@
 </p:sld>
 </file>
 
-<file path=ppt/slides/slide6.xml><?xml version="1.0" encoding="utf-8"?>
+<file path=ppt/slides/slide9.xml><?xml version="1.0" encoding="utf-8"?>
 <p:sld xmlns:a="http://schemas.openxmlformats.org/drawingml/2006/main" xmlns:r="http://schemas.openxmlformats.org/officeDocument/2006/relationships" xmlns:p="http://schemas.openxmlformats.org/presentationml/2006/main">
   <p:cSld>
     <p:spTree>
@@ -6196,7 +7050,7 @@
             </a:pPr>
             <a:r>
               <a:rPr lang="de-DE" sz="1400" dirty="0"/>
-              <a:t>	"Vorname"	TEXT NOT NULL,</a:t>
+              <a:t>	"Vorname"		TEXT NOT NULL,</a:t>
             </a:r>
           </a:p>
           <a:p>
@@ -6205,7 +7059,7 @@
             </a:pPr>
             <a:r>
               <a:rPr lang="de-DE" sz="1400" dirty="0"/>
-              <a:t>	"Nachname"	TEXT NOT NULL,</a:t>
+              <a:t>	"Nachname"		TEXT NOT NULL,</a:t>
             </a:r>
           </a:p>
           <a:p>
@@ -6223,7 +7077,7 @@
             </a:pPr>
             <a:r>
               <a:rPr lang="de-DE" sz="1400" dirty="0"/>
-              <a:t>	"Ort"	TEXT NOT NULL,</a:t>
+              <a:t>	"Ort"		TEXT NOT NULL,</a:t>
             </a:r>
           </a:p>
           <a:p>
@@ -6232,7 +7086,7 @@
             </a:pPr>
             <a:r>
               <a:rPr lang="de-DE" sz="1400" dirty="0"/>
-              <a:t>	"Straße"	TEXT NOT NULL,</a:t>
+              <a:t>	"Straße"		TEXT NOT NULL,</a:t>
             </a:r>
           </a:p>
           <a:p>
@@ -6250,7 +7104,7 @@
             </a:pPr>
             <a:r>
               <a:rPr lang="de-DE" sz="1400" dirty="0"/>
-              <a:t>	"Gehalt"	INTEGER NOT NULL CHECK("Gehalt" &gt;= 0),</a:t>
+              <a:t>	"Gehalt"		INTEGER NOT NULL CHECK("Gehalt" &gt;= 0),</a:t>
             </a:r>
           </a:p>
           <a:p>
@@ -6277,7 +7131,7 @@
             </a:pPr>
             <a:r>
               <a:rPr lang="de-DE" sz="1400" dirty="0"/>
-              <a:t>	"Passwort"	INTEGER NOT NULL,</a:t>
+              <a:t>	"Passwort"		INTEGER NOT NULL,</a:t>
             </a:r>
           </a:p>
           <a:p>
@@ -6313,531 +7167,6 @@
     <p:extLst>
       <p:ext uri="{BB962C8B-B14F-4D97-AF65-F5344CB8AC3E}">
         <p14:creationId xmlns:p14="http://schemas.microsoft.com/office/powerpoint/2010/main" val="2678607737"/>
-      </p:ext>
-    </p:extLst>
-  </p:cSld>
-  <p:clrMapOvr>
-    <a:masterClrMapping/>
-  </p:clrMapOvr>
-</p:sld>
-</file>
-
-<file path=ppt/slides/slide7.xml><?xml version="1.0" encoding="utf-8"?>
-<p:sld xmlns:a="http://schemas.openxmlformats.org/drawingml/2006/main" xmlns:r="http://schemas.openxmlformats.org/officeDocument/2006/relationships" xmlns:p="http://schemas.openxmlformats.org/presentationml/2006/main">
-  <p:cSld>
-    <p:spTree>
-      <p:nvGrpSpPr>
-        <p:cNvPr id="1" name="">
-          <a:extLst>
-            <a:ext uri="{FF2B5EF4-FFF2-40B4-BE49-F238E27FC236}">
-              <a16:creationId xmlns:a16="http://schemas.microsoft.com/office/drawing/2014/main" id="{122BF57A-67F4-278A-20BE-F7FDAF140D58}"/>
-            </a:ext>
-          </a:extLst>
-        </p:cNvPr>
-        <p:cNvGrpSpPr/>
-        <p:nvPr/>
-      </p:nvGrpSpPr>
-      <p:grpSpPr>
-        <a:xfrm>
-          <a:off x="0" y="0"/>
-          <a:ext cx="0" cy="0"/>
-          <a:chOff x="0" y="0"/>
-          <a:chExt cx="0" cy="0"/>
-        </a:xfrm>
-      </p:grpSpPr>
-      <p:sp>
-        <p:nvSpPr>
-          <p:cNvPr id="2" name="Titel 1">
-            <a:extLst>
-              <a:ext uri="{FF2B5EF4-FFF2-40B4-BE49-F238E27FC236}">
-                <a16:creationId xmlns:a16="http://schemas.microsoft.com/office/drawing/2014/main" id="{E3A9DBF4-2FDA-CE60-10BA-A7F0E7ABC5B0}"/>
-              </a:ext>
-            </a:extLst>
-          </p:cNvPr>
-          <p:cNvSpPr>
-            <a:spLocks noGrp="1"/>
-          </p:cNvSpPr>
-          <p:nvPr>
-            <p:ph type="title"/>
-          </p:nvPr>
-        </p:nvSpPr>
-        <p:spPr/>
-        <p:txBody>
-          <a:bodyPr/>
-          <a:lstStyle/>
-          <a:p>
-            <a:r>
-              <a:rPr lang="de-DE" dirty="0"/>
-              <a:t>Regal in SQL</a:t>
-            </a:r>
-          </a:p>
-        </p:txBody>
-      </p:sp>
-      <p:sp>
-        <p:nvSpPr>
-          <p:cNvPr id="3" name="Inhaltsplatzhalter 2">
-            <a:extLst>
-              <a:ext uri="{FF2B5EF4-FFF2-40B4-BE49-F238E27FC236}">
-                <a16:creationId xmlns:a16="http://schemas.microsoft.com/office/drawing/2014/main" id="{0B2D9E04-3EF5-F919-9E99-BFC8A3B5D015}"/>
-              </a:ext>
-            </a:extLst>
-          </p:cNvPr>
-          <p:cNvSpPr>
-            <a:spLocks noGrp="1"/>
-          </p:cNvSpPr>
-          <p:nvPr>
-            <p:ph idx="1"/>
-          </p:nvPr>
-        </p:nvSpPr>
-        <p:spPr/>
-        <p:txBody>
-          <a:bodyPr>
-            <a:normAutofit/>
-          </a:bodyPr>
-          <a:lstStyle/>
-          <a:p>
-            <a:pPr marL="0" indent="0">
-              <a:buNone/>
-            </a:pPr>
-            <a:r>
-              <a:rPr lang="de-DE" sz="1300" dirty="0"/>
-              <a:t>CREATE TABLE "Regal" (</a:t>
-            </a:r>
-          </a:p>
-          <a:p>
-            <a:pPr marL="0" indent="0">
-              <a:buNone/>
-            </a:pPr>
-            <a:r>
-              <a:rPr lang="de-DE" sz="1300" dirty="0"/>
-              <a:t>	"Regal-ID"	INTEGER,</a:t>
-            </a:r>
-          </a:p>
-          <a:p>
-            <a:pPr marL="0" indent="0">
-              <a:buNone/>
-            </a:pPr>
-            <a:r>
-              <a:rPr lang="de-DE" sz="1300" dirty="0"/>
-              <a:t>	"Reihe"	INTEGER NOT NULL,</a:t>
-            </a:r>
-          </a:p>
-          <a:p>
-            <a:pPr marL="0" indent="0">
-              <a:buNone/>
-            </a:pPr>
-            <a:r>
-              <a:rPr lang="de-DE" sz="1300" dirty="0"/>
-              <a:t>	"Spalte"	INTEGER NOT NULL,</a:t>
-            </a:r>
-          </a:p>
-          <a:p>
-            <a:pPr marL="0" indent="0">
-              <a:buNone/>
-            </a:pPr>
-            <a:r>
-              <a:rPr lang="de-DE" sz="1300" dirty="0"/>
-              <a:t>	"Kapazität"	INTEGER NOT NULL CHECK("Kapazität" &gt; 0),</a:t>
-            </a:r>
-          </a:p>
-          <a:p>
-            <a:pPr marL="0" indent="0">
-              <a:buNone/>
-            </a:pPr>
-            <a:r>
-              <a:rPr lang="de-DE" sz="1300" dirty="0"/>
-              <a:t>	"Temperatur"	TEXT NOT NULL DEFAULT 'Normal' CHECK("Temperatur" IN ('Normal', 'Gekühlt', 'Gefroren')),</a:t>
-            </a:r>
-          </a:p>
-          <a:p>
-            <a:pPr marL="0" indent="0">
-              <a:buNone/>
-            </a:pPr>
-            <a:r>
-              <a:rPr lang="de-DE" sz="1300" dirty="0"/>
-              <a:t>	PRIMARY KEY("Regal-ID" AUTOINCREMENT)</a:t>
-            </a:r>
-          </a:p>
-          <a:p>
-            <a:pPr marL="0" indent="0">
-              <a:buNone/>
-            </a:pPr>
-            <a:r>
-              <a:rPr lang="de-DE" sz="1300" dirty="0"/>
-              <a:t>);</a:t>
-            </a:r>
-          </a:p>
-        </p:txBody>
-      </p:sp>
-    </p:spTree>
-    <p:extLst>
-      <p:ext uri="{BB962C8B-B14F-4D97-AF65-F5344CB8AC3E}">
-        <p14:creationId xmlns:p14="http://schemas.microsoft.com/office/powerpoint/2010/main" val="973588200"/>
-      </p:ext>
-    </p:extLst>
-  </p:cSld>
-  <p:clrMapOvr>
-    <a:masterClrMapping/>
-  </p:clrMapOvr>
-</p:sld>
-</file>
-
-<file path=ppt/slides/slide8.xml><?xml version="1.0" encoding="utf-8"?>
-<p:sld xmlns:a="http://schemas.openxmlformats.org/drawingml/2006/main" xmlns:r="http://schemas.openxmlformats.org/officeDocument/2006/relationships" xmlns:p="http://schemas.openxmlformats.org/presentationml/2006/main">
-  <p:cSld>
-    <p:spTree>
-      <p:nvGrpSpPr>
-        <p:cNvPr id="1" name="">
-          <a:extLst>
-            <a:ext uri="{FF2B5EF4-FFF2-40B4-BE49-F238E27FC236}">
-              <a16:creationId xmlns:a16="http://schemas.microsoft.com/office/drawing/2014/main" id="{22D30C79-39E9-4118-7A24-4AB84438B69F}"/>
-            </a:ext>
-          </a:extLst>
-        </p:cNvPr>
-        <p:cNvGrpSpPr/>
-        <p:nvPr/>
-      </p:nvGrpSpPr>
-      <p:grpSpPr>
-        <a:xfrm>
-          <a:off x="0" y="0"/>
-          <a:ext cx="0" cy="0"/>
-          <a:chOff x="0" y="0"/>
-          <a:chExt cx="0" cy="0"/>
-        </a:xfrm>
-      </p:grpSpPr>
-      <p:sp>
-        <p:nvSpPr>
-          <p:cNvPr id="2" name="Titel 1">
-            <a:extLst>
-              <a:ext uri="{FF2B5EF4-FFF2-40B4-BE49-F238E27FC236}">
-                <a16:creationId xmlns:a16="http://schemas.microsoft.com/office/drawing/2014/main" id="{2147D15E-988E-0561-FCA0-A5CCB7BB1105}"/>
-              </a:ext>
-            </a:extLst>
-          </p:cNvPr>
-          <p:cNvSpPr>
-            <a:spLocks noGrp="1"/>
-          </p:cNvSpPr>
-          <p:nvPr>
-            <p:ph type="title"/>
-          </p:nvPr>
-        </p:nvSpPr>
-        <p:spPr/>
-        <p:txBody>
-          <a:bodyPr/>
-          <a:lstStyle/>
-          <a:p>
-            <a:r>
-              <a:rPr lang="de-DE" dirty="0"/>
-              <a:t>Ware in SQL</a:t>
-            </a:r>
-          </a:p>
-        </p:txBody>
-      </p:sp>
-      <p:sp>
-        <p:nvSpPr>
-          <p:cNvPr id="3" name="Inhaltsplatzhalter 2">
-            <a:extLst>
-              <a:ext uri="{FF2B5EF4-FFF2-40B4-BE49-F238E27FC236}">
-                <a16:creationId xmlns:a16="http://schemas.microsoft.com/office/drawing/2014/main" id="{7E1AE158-6907-E249-C71A-38CB6A10C8FC}"/>
-              </a:ext>
-            </a:extLst>
-          </p:cNvPr>
-          <p:cNvSpPr>
-            <a:spLocks noGrp="1"/>
-          </p:cNvSpPr>
-          <p:nvPr>
-            <p:ph idx="1"/>
-          </p:nvPr>
-        </p:nvSpPr>
-        <p:spPr/>
-        <p:txBody>
-          <a:bodyPr>
-            <a:normAutofit/>
-          </a:bodyPr>
-          <a:lstStyle/>
-          <a:p>
-            <a:pPr marL="0" indent="0">
-              <a:buNone/>
-            </a:pPr>
-            <a:r>
-              <a:rPr lang="de-DE" sz="1300" dirty="0"/>
-              <a:t>CREATE TABLE "Ware" (</a:t>
-            </a:r>
-          </a:p>
-          <a:p>
-            <a:pPr marL="0" indent="0">
-              <a:buNone/>
-            </a:pPr>
-            <a:r>
-              <a:rPr lang="de-DE" sz="1300" dirty="0"/>
-              <a:t>	"Waren-ID"	INTEGER,</a:t>
-            </a:r>
-          </a:p>
-          <a:p>
-            <a:pPr marL="0" indent="0">
-              <a:buNone/>
-            </a:pPr>
-            <a:r>
-              <a:rPr lang="de-DE" sz="1300" dirty="0"/>
-              <a:t>	"Name"	TEXT NOT NULL,</a:t>
-            </a:r>
-          </a:p>
-          <a:p>
-            <a:pPr marL="0" indent="0">
-              <a:buNone/>
-            </a:pPr>
-            <a:r>
-              <a:rPr lang="de-DE" sz="1300" dirty="0"/>
-              <a:t>	"Preis"	NUMERIC NOT NULL CHECK("Preis" &gt; 0),</a:t>
-            </a:r>
-          </a:p>
-          <a:p>
-            <a:pPr marL="0" indent="0">
-              <a:buNone/>
-            </a:pPr>
-            <a:r>
-              <a:rPr lang="de-DE" sz="1300" dirty="0"/>
-              <a:t>	"Bestand"	INTEGER NOT NULL DEFAULT 0 CHECK("Bestand" &gt;= 0),</a:t>
-            </a:r>
-          </a:p>
-          <a:p>
-            <a:pPr marL="0" indent="0">
-              <a:buNone/>
-            </a:pPr>
-            <a:r>
-              <a:rPr lang="de-DE" sz="1300" dirty="0"/>
-              <a:t>	"Temperatur"	TEXT NOT NULL DEFAULT 'Normal' CHECK("Temperatur" IN ('Normal', 'Gekühlt', 'Gefroren')),</a:t>
-            </a:r>
-          </a:p>
-          <a:p>
-            <a:pPr marL="0" indent="0">
-              <a:buNone/>
-            </a:pPr>
-            <a:r>
-              <a:rPr lang="de-DE" sz="1300" dirty="0"/>
-              <a:t>	"Platzbedarf"	INTEGER NOT NULL CHECK("Platzbedarf" &gt; 0),</a:t>
-            </a:r>
-          </a:p>
-          <a:p>
-            <a:pPr marL="0" indent="0">
-              <a:buNone/>
-            </a:pPr>
-            <a:r>
-              <a:rPr lang="de-DE" sz="1300" dirty="0"/>
-              <a:t>	PRIMARY KEY("Waren-ID" AUTOINCREMENT)</a:t>
-            </a:r>
-          </a:p>
-          <a:p>
-            <a:pPr marL="0" indent="0">
-              <a:buNone/>
-            </a:pPr>
-            <a:r>
-              <a:rPr lang="de-DE" sz="1300" dirty="0"/>
-              <a:t>);</a:t>
-            </a:r>
-          </a:p>
-        </p:txBody>
-      </p:sp>
-    </p:spTree>
-    <p:extLst>
-      <p:ext uri="{BB962C8B-B14F-4D97-AF65-F5344CB8AC3E}">
-        <p14:creationId xmlns:p14="http://schemas.microsoft.com/office/powerpoint/2010/main" val="3576683082"/>
-      </p:ext>
-    </p:extLst>
-  </p:cSld>
-  <p:clrMapOvr>
-    <a:masterClrMapping/>
-  </p:clrMapOvr>
-</p:sld>
-</file>
-
-<file path=ppt/slides/slide9.xml><?xml version="1.0" encoding="utf-8"?>
-<p:sld xmlns:a="http://schemas.openxmlformats.org/drawingml/2006/main" xmlns:r="http://schemas.openxmlformats.org/officeDocument/2006/relationships" xmlns:p="http://schemas.openxmlformats.org/presentationml/2006/main">
-  <p:cSld>
-    <p:spTree>
-      <p:nvGrpSpPr>
-        <p:cNvPr id="1" name="">
-          <a:extLst>
-            <a:ext uri="{FF2B5EF4-FFF2-40B4-BE49-F238E27FC236}">
-              <a16:creationId xmlns:a16="http://schemas.microsoft.com/office/drawing/2014/main" id="{41A4FEC4-BD32-680D-7A5D-BE8FF03A20A8}"/>
-            </a:ext>
-          </a:extLst>
-        </p:cNvPr>
-        <p:cNvGrpSpPr/>
-        <p:nvPr/>
-      </p:nvGrpSpPr>
-      <p:grpSpPr>
-        <a:xfrm>
-          <a:off x="0" y="0"/>
-          <a:ext cx="0" cy="0"/>
-          <a:chOff x="0" y="0"/>
-          <a:chExt cx="0" cy="0"/>
-        </a:xfrm>
-      </p:grpSpPr>
-      <p:sp>
-        <p:nvSpPr>
-          <p:cNvPr id="2" name="Titel 1">
-            <a:extLst>
-              <a:ext uri="{FF2B5EF4-FFF2-40B4-BE49-F238E27FC236}">
-                <a16:creationId xmlns:a16="http://schemas.microsoft.com/office/drawing/2014/main" id="{1CAE1E18-0AEC-1876-578D-11760DFAD8EA}"/>
-              </a:ext>
-            </a:extLst>
-          </p:cNvPr>
-          <p:cNvSpPr>
-            <a:spLocks noGrp="1"/>
-          </p:cNvSpPr>
-          <p:nvPr>
-            <p:ph type="title"/>
-          </p:nvPr>
-        </p:nvSpPr>
-        <p:spPr/>
-        <p:txBody>
-          <a:bodyPr/>
-          <a:lstStyle/>
-          <a:p>
-            <a:r>
-              <a:rPr lang="de-DE" dirty="0"/>
-              <a:t>bestellt in SQL</a:t>
-            </a:r>
-          </a:p>
-        </p:txBody>
-      </p:sp>
-      <p:sp>
-        <p:nvSpPr>
-          <p:cNvPr id="3" name="Inhaltsplatzhalter 2">
-            <a:extLst>
-              <a:ext uri="{FF2B5EF4-FFF2-40B4-BE49-F238E27FC236}">
-                <a16:creationId xmlns:a16="http://schemas.microsoft.com/office/drawing/2014/main" id="{496066D2-14F5-FCAC-A3A7-278A2B42AEB2}"/>
-              </a:ext>
-            </a:extLst>
-          </p:cNvPr>
-          <p:cNvSpPr>
-            <a:spLocks noGrp="1"/>
-          </p:cNvSpPr>
-          <p:nvPr>
-            <p:ph idx="1"/>
-          </p:nvPr>
-        </p:nvSpPr>
-        <p:spPr/>
-        <p:txBody>
-          <a:bodyPr>
-            <a:normAutofit/>
-          </a:bodyPr>
-          <a:lstStyle/>
-          <a:p>
-            <a:pPr marL="0" indent="0">
-              <a:buNone/>
-            </a:pPr>
-            <a:r>
-              <a:rPr lang="de-DE" sz="1300" dirty="0"/>
-              <a:t>CREATE TABLE "bestellt" (</a:t>
-            </a:r>
-          </a:p>
-          <a:p>
-            <a:pPr marL="0" indent="0">
-              <a:buNone/>
-            </a:pPr>
-            <a:r>
-              <a:rPr lang="de-DE" sz="1300" dirty="0"/>
-              <a:t>	"Bestell-ID"	INTEGER,</a:t>
-            </a:r>
-          </a:p>
-          <a:p>
-            <a:pPr marL="0" indent="0">
-              <a:buNone/>
-            </a:pPr>
-            <a:r>
-              <a:rPr lang="de-DE" sz="1300" dirty="0"/>
-              <a:t>	"Kunden-ID"	INTEGER NOT NULL,</a:t>
-            </a:r>
-          </a:p>
-          <a:p>
-            <a:pPr marL="0" indent="0">
-              <a:buNone/>
-            </a:pPr>
-            <a:r>
-              <a:rPr lang="de-DE" sz="1300" dirty="0"/>
-              <a:t>	"Waren-ID"	INTEGER NOT NULL,</a:t>
-            </a:r>
-          </a:p>
-          <a:p>
-            <a:pPr marL="0" indent="0">
-              <a:buNone/>
-            </a:pPr>
-            <a:r>
-              <a:rPr lang="de-DE" sz="1300" dirty="0"/>
-              <a:t>	"Menge"	INTEGER NOT NULL CHECK("Menge" &gt; 0),</a:t>
-            </a:r>
-          </a:p>
-          <a:p>
-            <a:pPr marL="0" indent="0">
-              <a:buNone/>
-            </a:pPr>
-            <a:r>
-              <a:rPr lang="de-DE" sz="1300" dirty="0"/>
-              <a:t>	"Bestelldatum"	TEXT NOT NULL,</a:t>
-            </a:r>
-          </a:p>
-          <a:p>
-            <a:pPr marL="0" indent="0">
-              <a:buNone/>
-            </a:pPr>
-            <a:r>
-              <a:rPr lang="de-DE" sz="1300" dirty="0"/>
-              <a:t>	"Abholdatum"	TEXT NOT NULL,</a:t>
-            </a:r>
-          </a:p>
-          <a:p>
-            <a:pPr marL="0" indent="0">
-              <a:buNone/>
-            </a:pPr>
-            <a:r>
-              <a:rPr lang="de-DE" sz="1300" dirty="0"/>
-              <a:t>	"Gesamtpreis"	NUMERIC NOT NULL DEFAULT 0,</a:t>
-            </a:r>
-          </a:p>
-          <a:p>
-            <a:pPr marL="0" indent="0">
-              <a:buNone/>
-            </a:pPr>
-            <a:r>
-              <a:rPr lang="de-DE" sz="1300" dirty="0"/>
-              <a:t>	FOREIGN KEY("Waren-ID") REFERENCES "Ware"("Waren-ID") ON DELETE CASCADE,</a:t>
-            </a:r>
-          </a:p>
-          <a:p>
-            <a:pPr marL="0" indent="0">
-              <a:buNone/>
-            </a:pPr>
-            <a:r>
-              <a:rPr lang="de-DE" sz="1300" dirty="0"/>
-              <a:t>	FOREIGN KEY("Kunden-ID") REFERENCES "Großkunde"("Kunden-ID") ON DELETE CASCADE,</a:t>
-            </a:r>
-          </a:p>
-          <a:p>
-            <a:pPr marL="0" indent="0">
-              <a:buNone/>
-            </a:pPr>
-            <a:r>
-              <a:rPr lang="de-DE" sz="1300" dirty="0"/>
-              <a:t>	PRIMARY KEY("Bestell-ID" AUTOINCREMENT)</a:t>
-            </a:r>
-          </a:p>
-          <a:p>
-            <a:pPr marL="0" indent="0">
-              <a:buNone/>
-            </a:pPr>
-            <a:r>
-              <a:rPr lang="de-DE" sz="1300" dirty="0"/>
-              <a:t>);</a:t>
-            </a:r>
-          </a:p>
-        </p:txBody>
-      </p:sp>
-    </p:spTree>
-    <p:extLst>
-      <p:ext uri="{BB962C8B-B14F-4D97-AF65-F5344CB8AC3E}">
-        <p14:creationId xmlns:p14="http://schemas.microsoft.com/office/powerpoint/2010/main" val="2216167323"/>
       </p:ext>
     </p:extLst>
   </p:cSld>

--- a/src/resources/DatenbankProjektPräsi.pptx
+++ b/src/resources/DatenbankProjektPräsi.pptx
@@ -284,7 +284,7 @@
           <a:p>
             <a:fld id="{D9FEFD80-BC49-4098-BEE2-7587C509F5E8}" type="datetimeFigureOut">
               <a:rPr lang="de-DE" smtClean="0"/>
-              <a:t>09.12.2024</a:t>
+              <a:t>10.12.2024</a:t>
             </a:fld>
             <a:endParaRPr lang="de-DE"/>
           </a:p>
@@ -482,7 +482,7 @@
           <a:p>
             <a:fld id="{D9FEFD80-BC49-4098-BEE2-7587C509F5E8}" type="datetimeFigureOut">
               <a:rPr lang="de-DE" smtClean="0"/>
-              <a:t>09.12.2024</a:t>
+              <a:t>10.12.2024</a:t>
             </a:fld>
             <a:endParaRPr lang="de-DE"/>
           </a:p>
@@ -690,7 +690,7 @@
           <a:p>
             <a:fld id="{D9FEFD80-BC49-4098-BEE2-7587C509F5E8}" type="datetimeFigureOut">
               <a:rPr lang="de-DE" smtClean="0"/>
-              <a:t>09.12.2024</a:t>
+              <a:t>10.12.2024</a:t>
             </a:fld>
             <a:endParaRPr lang="de-DE"/>
           </a:p>
@@ -888,7 +888,7 @@
           <a:p>
             <a:fld id="{D9FEFD80-BC49-4098-BEE2-7587C509F5E8}" type="datetimeFigureOut">
               <a:rPr lang="de-DE" smtClean="0"/>
-              <a:t>09.12.2024</a:t>
+              <a:t>10.12.2024</a:t>
             </a:fld>
             <a:endParaRPr lang="de-DE"/>
           </a:p>
@@ -1163,7 +1163,7 @@
           <a:p>
             <a:fld id="{D9FEFD80-BC49-4098-BEE2-7587C509F5E8}" type="datetimeFigureOut">
               <a:rPr lang="de-DE" smtClean="0"/>
-              <a:t>09.12.2024</a:t>
+              <a:t>10.12.2024</a:t>
             </a:fld>
             <a:endParaRPr lang="de-DE"/>
           </a:p>
@@ -1428,7 +1428,7 @@
           <a:p>
             <a:fld id="{D9FEFD80-BC49-4098-BEE2-7587C509F5E8}" type="datetimeFigureOut">
               <a:rPr lang="de-DE" smtClean="0"/>
-              <a:t>09.12.2024</a:t>
+              <a:t>10.12.2024</a:t>
             </a:fld>
             <a:endParaRPr lang="de-DE"/>
           </a:p>
@@ -1840,7 +1840,7 @@
           <a:p>
             <a:fld id="{D9FEFD80-BC49-4098-BEE2-7587C509F5E8}" type="datetimeFigureOut">
               <a:rPr lang="de-DE" smtClean="0"/>
-              <a:t>09.12.2024</a:t>
+              <a:t>10.12.2024</a:t>
             </a:fld>
             <a:endParaRPr lang="de-DE"/>
           </a:p>
@@ -1981,7 +1981,7 @@
           <a:p>
             <a:fld id="{D9FEFD80-BC49-4098-BEE2-7587C509F5E8}" type="datetimeFigureOut">
               <a:rPr lang="de-DE" smtClean="0"/>
-              <a:t>09.12.2024</a:t>
+              <a:t>10.12.2024</a:t>
             </a:fld>
             <a:endParaRPr lang="de-DE"/>
           </a:p>
@@ -2094,7 +2094,7 @@
           <a:p>
             <a:fld id="{D9FEFD80-BC49-4098-BEE2-7587C509F5E8}" type="datetimeFigureOut">
               <a:rPr lang="de-DE" smtClean="0"/>
-              <a:t>09.12.2024</a:t>
+              <a:t>10.12.2024</a:t>
             </a:fld>
             <a:endParaRPr lang="de-DE"/>
           </a:p>
@@ -2405,7 +2405,7 @@
           <a:p>
             <a:fld id="{D9FEFD80-BC49-4098-BEE2-7587C509F5E8}" type="datetimeFigureOut">
               <a:rPr lang="de-DE" smtClean="0"/>
-              <a:t>09.12.2024</a:t>
+              <a:t>10.12.2024</a:t>
             </a:fld>
             <a:endParaRPr lang="de-DE"/>
           </a:p>
@@ -2693,7 +2693,7 @@
           <a:p>
             <a:fld id="{D9FEFD80-BC49-4098-BEE2-7587C509F5E8}" type="datetimeFigureOut">
               <a:rPr lang="de-DE" smtClean="0"/>
-              <a:t>09.12.2024</a:t>
+              <a:t>10.12.2024</a:t>
             </a:fld>
             <a:endParaRPr lang="de-DE"/>
           </a:p>
@@ -2934,7 +2934,7 @@
           <a:p>
             <a:fld id="{D9FEFD80-BC49-4098-BEE2-7587C509F5E8}" type="datetimeFigureOut">
               <a:rPr lang="de-DE" smtClean="0"/>
-              <a:t>09.12.2024</a:t>
+              <a:t>10.12.2024</a:t>
             </a:fld>
             <a:endParaRPr lang="de-DE"/>
           </a:p>
@@ -4114,7 +4114,7 @@
             </a:pPr>
             <a:r>
               <a:rPr lang="de-DE" sz="1300" dirty="0"/>
-              <a:t>	"Regal-ID"		INTEGER,</a:t>
+              <a:t>	"Regal-ID"		INTEGER NOT NULL,</a:t>
             </a:r>
           </a:p>
           <a:p>
@@ -4123,7 +4123,7 @@
             </a:pPr>
             <a:r>
               <a:rPr lang="de-DE" sz="1300" dirty="0"/>
-              <a:t>	"Waren-ID"		INTEGER,</a:t>
+              <a:t>	"Waren-ID"		INTEGER NOT NULL,</a:t>
             </a:r>
           </a:p>
           <a:p>
@@ -5695,7 +5695,22 @@
               <a:rPr lang="de-DE" sz="1800" dirty="0">
                 <a:cs typeface="Calibri" panose="020F0502020204030204" pitchFamily="34" charset="0"/>
               </a:rPr>
-              <a:t>, Name, Geburtsdatum, Adresse, Wochenstunden, Gehalt, Aufgabenbereich, Vorgesetzter, Passwort)</a:t>
+              <a:t>, Name, Geburtsdatum, Adresse, Wochenstunden, Gehalt, Aufgabenbereich, Vorgesetzter</a:t>
+            </a:r>
+            <a:r>
+              <a:rPr lang="de-DE" sz="1800" b="1" dirty="0">
+                <a:effectLst/>
+                <a:ea typeface="Calibri" panose="020F0502020204030204" pitchFamily="34" charset="0"/>
+                <a:cs typeface="Calibri" panose="020F0502020204030204" pitchFamily="34" charset="0"/>
+                <a:sym typeface="Wingdings" panose="05000000000000000000" pitchFamily="2" charset="2"/>
+              </a:rPr>
+              <a:t></a:t>
+            </a:r>
+            <a:r>
+              <a:rPr lang="de-DE" sz="1800" dirty="0">
+                <a:cs typeface="Calibri" panose="020F0502020204030204" pitchFamily="34" charset="0"/>
+              </a:rPr>
+              <a:t>, Passwort)</a:t>
             </a:r>
           </a:p>
           <a:p>
@@ -5807,23 +5822,11 @@
               <a:rPr lang="de-DE" sz="1800" dirty="0">
                 <a:cs typeface="Calibri" panose="020F0502020204030204" pitchFamily="34" charset="0"/>
               </a:rPr>
-              <a:t>, </a:t>
-            </a:r>
-            <a:r>
-              <a:rPr lang="de-DE" sz="1800" dirty="0">
-                <a:highlight>
-                  <a:srgbClr val="00FF00"/>
-                </a:highlight>
-                <a:cs typeface="Calibri" panose="020F0502020204030204" pitchFamily="34" charset="0"/>
-              </a:rPr>
-              <a:t>Kunden-ID</a:t>
+              <a:t>, Kunden-ID</a:t>
             </a:r>
             <a:r>
               <a:rPr lang="de-DE" sz="1800" b="1" dirty="0">
                 <a:effectLst/>
-                <a:highlight>
-                  <a:srgbClr val="00FF00"/>
-                </a:highlight>
                 <a:ea typeface="Calibri" panose="020F0502020204030204" pitchFamily="34" charset="0"/>
                 <a:cs typeface="Calibri" panose="020F0502020204030204" pitchFamily="34" charset="0"/>
                 <a:sym typeface="Wingdings" panose="05000000000000000000" pitchFamily="2" charset="2"/>
@@ -5832,9 +5835,6 @@
             </a:r>
             <a:r>
               <a:rPr lang="de-DE" sz="1800" dirty="0">
-                <a:highlight>
-                  <a:srgbClr val="00FF00"/>
-                </a:highlight>
                 <a:cs typeface="Calibri" panose="020F0502020204030204" pitchFamily="34" charset="0"/>
               </a:rPr>
               <a:t>, Waren-ID</a:t>
@@ -5842,9 +5842,6 @@
             <a:r>
               <a:rPr lang="de-DE" sz="1800" b="1" dirty="0">
                 <a:effectLst/>
-                <a:highlight>
-                  <a:srgbClr val="00FF00"/>
-                </a:highlight>
                 <a:ea typeface="Calibri" panose="020F0502020204030204" pitchFamily="34" charset="0"/>
                 <a:cs typeface="Calibri" panose="020F0502020204030204" pitchFamily="34" charset="0"/>
                 <a:sym typeface="Wingdings" panose="05000000000000000000" pitchFamily="2" charset="2"/>
@@ -5883,23 +5880,11 @@
               <a:rPr lang="de-DE" sz="1800" dirty="0">
                 <a:cs typeface="Calibri" panose="020F0502020204030204" pitchFamily="34" charset="0"/>
               </a:rPr>
-              <a:t>, </a:t>
-            </a:r>
-            <a:r>
-              <a:rPr lang="de-DE" sz="1800" dirty="0">
-                <a:highlight>
-                  <a:srgbClr val="00FF00"/>
-                </a:highlight>
-                <a:cs typeface="Calibri" panose="020F0502020204030204" pitchFamily="34" charset="0"/>
-              </a:rPr>
-              <a:t>Regal-ID</a:t>
+              <a:t>, Regal-ID</a:t>
             </a:r>
             <a:r>
               <a:rPr lang="de-DE" sz="1800" b="1" dirty="0">
                 <a:effectLst/>
-                <a:highlight>
-                  <a:srgbClr val="00FF00"/>
-                </a:highlight>
                 <a:ea typeface="Calibri" panose="020F0502020204030204" pitchFamily="34" charset="0"/>
                 <a:cs typeface="Calibri" panose="020F0502020204030204" pitchFamily="34" charset="0"/>
                 <a:sym typeface="Wingdings" panose="05000000000000000000" pitchFamily="2" charset="2"/>
@@ -5908,9 +5893,6 @@
             </a:r>
             <a:r>
               <a:rPr lang="de-DE" sz="1800" dirty="0">
-                <a:highlight>
-                  <a:srgbClr val="00FF00"/>
-                </a:highlight>
                 <a:cs typeface="Calibri" panose="020F0502020204030204" pitchFamily="34" charset="0"/>
               </a:rPr>
               <a:t>, Waren-ID</a:t>
@@ -5918,9 +5900,6 @@
             <a:r>
               <a:rPr lang="de-DE" sz="1800" b="1" dirty="0">
                 <a:effectLst/>
-                <a:highlight>
-                  <a:srgbClr val="00FF00"/>
-                </a:highlight>
                 <a:ea typeface="Calibri" panose="020F0502020204030204" pitchFamily="34" charset="0"/>
                 <a:cs typeface="Calibri" panose="020F0502020204030204" pitchFamily="34" charset="0"/>
                 <a:sym typeface="Wingdings" panose="05000000000000000000" pitchFamily="2" charset="2"/>
